--- a/Python.pptx
+++ b/Python.pptx
@@ -5,7 +5,7 @@
     <p:sldMasterId id="2147483720" r:id="rId1"/>
   </p:sldMasterIdLst>
   <p:notesMasterIdLst>
-    <p:notesMasterId r:id="rId39"/>
+    <p:notesMasterId r:id="rId41"/>
   </p:notesMasterIdLst>
   <p:sldIdLst>
     <p:sldId id="256" r:id="rId2"/>
@@ -45,6 +45,8 @@
     <p:sldId id="291" r:id="rId36"/>
     <p:sldId id="292" r:id="rId37"/>
     <p:sldId id="293" r:id="rId38"/>
+    <p:sldId id="294" r:id="rId39"/>
+    <p:sldId id="295" r:id="rId40"/>
   </p:sldIdLst>
   <p:sldSz cx="12192000" cy="6858000"/>
   <p:notesSz cx="6858000" cy="9144000"/>
@@ -12698,6 +12700,563 @@
 </p:sld>
 </file>
 
+<file path=ppt/slides/slide38.xml><?xml version="1.0" encoding="utf-8"?>
+<p:sld xmlns:a="http://schemas.openxmlformats.org/drawingml/2006/main" xmlns:r="http://schemas.openxmlformats.org/officeDocument/2006/relationships" xmlns:p="http://schemas.openxmlformats.org/presentationml/2006/main">
+  <p:cSld>
+    <p:spTree>
+      <p:nvGrpSpPr>
+        <p:cNvPr id="1" name=""/>
+        <p:cNvGrpSpPr/>
+        <p:nvPr/>
+      </p:nvGrpSpPr>
+      <p:grpSpPr>
+        <a:xfrm>
+          <a:off x="0" y="0"/>
+          <a:ext cx="0" cy="0"/>
+          <a:chOff x="0" y="0"/>
+          <a:chExt cx="0" cy="0"/>
+        </a:xfrm>
+      </p:grpSpPr>
+      <p:sp>
+        <p:nvSpPr>
+          <p:cNvPr id="2" name="Title 1">
+            <a:extLst>
+              <a:ext uri="{FF2B5EF4-FFF2-40B4-BE49-F238E27FC236}">
+                <a16:creationId xmlns:a16="http://schemas.microsoft.com/office/drawing/2014/main" id="{A1ABA2A1-15DB-5FEA-7D9F-7510CA2BE182}"/>
+              </a:ext>
+            </a:extLst>
+          </p:cNvPr>
+          <p:cNvSpPr>
+            <a:spLocks noGrp="1"/>
+          </p:cNvSpPr>
+          <p:nvPr>
+            <p:ph type="title"/>
+          </p:nvPr>
+        </p:nvSpPr>
+        <p:spPr>
+          <a:xfrm>
+            <a:off x="913795" y="609600"/>
+            <a:ext cx="10353762" cy="677333"/>
+          </a:xfrm>
+        </p:spPr>
+        <p:txBody>
+          <a:bodyPr>
+            <a:normAutofit/>
+          </a:bodyPr>
+          <a:lstStyle/>
+          <a:p>
+            <a:pPr algn="l"/>
+            <a:r>
+              <a:rPr lang="en-US" sz="2400" b="1" dirty="0"/>
+              <a:t>Python Function Arguments:</a:t>
+            </a:r>
+            <a:endParaRPr lang="en-IN" sz="2400" b="1" dirty="0"/>
+          </a:p>
+        </p:txBody>
+      </p:sp>
+      <p:sp>
+        <p:nvSpPr>
+          <p:cNvPr id="3" name="Content Placeholder 2">
+            <a:extLst>
+              <a:ext uri="{FF2B5EF4-FFF2-40B4-BE49-F238E27FC236}">
+                <a16:creationId xmlns:a16="http://schemas.microsoft.com/office/drawing/2014/main" id="{ED654519-05DB-4E38-7B8E-5CE32132FDF7}"/>
+              </a:ext>
+            </a:extLst>
+          </p:cNvPr>
+          <p:cNvSpPr>
+            <a:spLocks noGrp="1"/>
+          </p:cNvSpPr>
+          <p:nvPr>
+            <p:ph idx="1"/>
+          </p:nvPr>
+        </p:nvSpPr>
+        <p:spPr>
+          <a:xfrm>
+            <a:off x="913795" y="1151467"/>
+            <a:ext cx="10364410" cy="4910666"/>
+          </a:xfrm>
+        </p:spPr>
+        <p:txBody>
+          <a:bodyPr>
+            <a:normAutofit fontScale="92500" lnSpcReduction="20000"/>
+          </a:bodyPr>
+          <a:lstStyle/>
+          <a:p>
+            <a:pPr marL="36900" indent="0">
+              <a:buNone/>
+            </a:pPr>
+            <a:r>
+              <a:rPr lang="en-US" sz="1800" dirty="0">
+                <a:effectLst/>
+              </a:rPr>
+              <a:t>Arguments are the values passed inside the parenthesis of the function. A function can have any number of arguments separated by a comma, </a:t>
+            </a:r>
+            <a:r>
+              <a:rPr lang="en-US" sz="1800" b="1" dirty="0" err="1">
+                <a:effectLst/>
+              </a:rPr>
+              <a:t>data_type</a:t>
+            </a:r>
+            <a:r>
+              <a:rPr lang="en-US" sz="1800" b="1" dirty="0">
+                <a:effectLst/>
+              </a:rPr>
+              <a:t> </a:t>
+            </a:r>
+            <a:r>
+              <a:rPr lang="en-US" sz="1800" dirty="0">
+                <a:effectLst/>
+              </a:rPr>
+              <a:t>and </a:t>
+            </a:r>
+            <a:r>
+              <a:rPr lang="en-US" sz="1800" b="1" dirty="0" err="1">
+                <a:effectLst/>
+              </a:rPr>
+              <a:t>return_type</a:t>
+            </a:r>
+            <a:r>
+              <a:rPr lang="en-US" sz="1800" b="1" dirty="0">
+                <a:effectLst/>
+              </a:rPr>
+              <a:t> </a:t>
+            </a:r>
+            <a:r>
+              <a:rPr lang="en-US" sz="1800" dirty="0">
+                <a:effectLst/>
+              </a:rPr>
+              <a:t>are optional in function declaration.</a:t>
+            </a:r>
+          </a:p>
+          <a:p>
+            <a:pPr marL="36900" indent="0">
+              <a:buNone/>
+            </a:pPr>
+            <a:r>
+              <a:rPr lang="en-US" sz="2400" b="1" dirty="0"/>
+              <a:t>Syntax for functions with arguments:</a:t>
+            </a:r>
+          </a:p>
+          <a:p>
+            <a:pPr marL="36900" indent="0">
+              <a:buNone/>
+            </a:pPr>
+            <a:endParaRPr lang="en-US" sz="2400" b="1" dirty="0"/>
+          </a:p>
+          <a:p>
+            <a:pPr marL="36900" indent="0">
+              <a:buNone/>
+            </a:pPr>
+            <a:endParaRPr lang="en-US" sz="2400" b="1" dirty="0"/>
+          </a:p>
+          <a:p>
+            <a:pPr marL="36900" indent="0">
+              <a:buNone/>
+            </a:pPr>
+            <a:endParaRPr lang="en-US" sz="2400" b="1" dirty="0"/>
+          </a:p>
+          <a:p>
+            <a:pPr marL="36900" indent="0">
+              <a:buNone/>
+            </a:pPr>
+            <a:r>
+              <a:rPr lang="en-US" sz="1900" dirty="0">
+                <a:effectLst/>
+              </a:rPr>
+              <a:t>Let's understand this with an example, we will create a simple function in Python to check whether the number passed as an argument to the function is even or odd.</a:t>
+            </a:r>
+          </a:p>
+          <a:p>
+            <a:pPr marL="36900" indent="0">
+              <a:buNone/>
+            </a:pPr>
+            <a:endParaRPr lang="en-US" sz="2400" b="1" dirty="0"/>
+          </a:p>
+          <a:p>
+            <a:pPr marL="36900" indent="0">
+              <a:buNone/>
+            </a:pPr>
+            <a:endParaRPr lang="en-US" sz="2400" b="1" dirty="0"/>
+          </a:p>
+          <a:p>
+            <a:pPr marL="36900" indent="0">
+              <a:buNone/>
+            </a:pPr>
+            <a:endParaRPr lang="en-US" sz="2400" b="1" dirty="0"/>
+          </a:p>
+          <a:p>
+            <a:pPr marL="36900" indent="0">
+              <a:buNone/>
+            </a:pPr>
+            <a:endParaRPr lang="en-US" sz="2400" b="1" dirty="0"/>
+          </a:p>
+          <a:p>
+            <a:pPr marL="36900" indent="0">
+              <a:buNone/>
+            </a:pPr>
+            <a:r>
+              <a:rPr lang="en-US" dirty="0"/>
+              <a:t> </a:t>
+            </a:r>
+            <a:endParaRPr lang="en-IN" sz="1800" dirty="0"/>
+          </a:p>
+        </p:txBody>
+      </p:sp>
+      <p:pic>
+        <p:nvPicPr>
+          <p:cNvPr id="6" name="Picture 5">
+            <a:extLst>
+              <a:ext uri="{FF2B5EF4-FFF2-40B4-BE49-F238E27FC236}">
+                <a16:creationId xmlns:a16="http://schemas.microsoft.com/office/drawing/2014/main" id="{EBE89CEE-926A-3E38-8000-E8E2E53A6E09}"/>
+              </a:ext>
+            </a:extLst>
+          </p:cNvPr>
+          <p:cNvPicPr>
+            <a:picLocks noChangeAspect="1"/>
+          </p:cNvPicPr>
+          <p:nvPr/>
+        </p:nvPicPr>
+        <p:blipFill>
+          <a:blip r:embed="rId2">
+            <a:extLst>
+              <a:ext uri="{28A0092B-C50C-407E-A947-70E740481C1C}">
+                <a14:useLocalDpi xmlns:a14="http://schemas.microsoft.com/office/drawing/2010/main" val="0"/>
+              </a:ext>
+            </a:extLst>
+          </a:blip>
+          <a:stretch>
+            <a:fillRect/>
+          </a:stretch>
+        </p:blipFill>
+        <p:spPr>
+          <a:xfrm>
+            <a:off x="1033140" y="2192362"/>
+            <a:ext cx="4988720" cy="1026232"/>
+          </a:xfrm>
+          <a:prstGeom prst="rect">
+            <a:avLst/>
+          </a:prstGeom>
+        </p:spPr>
+      </p:pic>
+      <p:pic>
+        <p:nvPicPr>
+          <p:cNvPr id="10" name="Picture 9">
+            <a:extLst>
+              <a:ext uri="{FF2B5EF4-FFF2-40B4-BE49-F238E27FC236}">
+                <a16:creationId xmlns:a16="http://schemas.microsoft.com/office/drawing/2014/main" id="{303D25C9-D970-68FF-1763-8D6DF50011CB}"/>
+              </a:ext>
+            </a:extLst>
+          </p:cNvPr>
+          <p:cNvPicPr>
+            <a:picLocks noChangeAspect="1"/>
+          </p:cNvPicPr>
+          <p:nvPr/>
+        </p:nvPicPr>
+        <p:blipFill>
+          <a:blip r:embed="rId3">
+            <a:extLst>
+              <a:ext uri="{28A0092B-C50C-407E-A947-70E740481C1C}">
+                <a14:useLocalDpi xmlns:a14="http://schemas.microsoft.com/office/drawing/2010/main" val="0"/>
+              </a:ext>
+            </a:extLst>
+          </a:blip>
+          <a:stretch>
+            <a:fillRect/>
+          </a:stretch>
+        </p:blipFill>
+        <p:spPr>
+          <a:xfrm>
+            <a:off x="1290391" y="3962400"/>
+            <a:ext cx="4031251" cy="2730843"/>
+          </a:xfrm>
+          <a:prstGeom prst="rect">
+            <a:avLst/>
+          </a:prstGeom>
+        </p:spPr>
+      </p:pic>
+    </p:spTree>
+    <p:extLst>
+      <p:ext uri="{BB962C8B-B14F-4D97-AF65-F5344CB8AC3E}">
+        <p14:creationId xmlns:p14="http://schemas.microsoft.com/office/powerpoint/2010/main" val="1787427239"/>
+      </p:ext>
+    </p:extLst>
+  </p:cSld>
+  <p:clrMapOvr>
+    <a:masterClrMapping/>
+  </p:clrMapOvr>
+</p:sld>
+</file>
+
+<file path=ppt/slides/slide39.xml><?xml version="1.0" encoding="utf-8"?>
+<p:sld xmlns:a="http://schemas.openxmlformats.org/drawingml/2006/main" xmlns:r="http://schemas.openxmlformats.org/officeDocument/2006/relationships" xmlns:p="http://schemas.openxmlformats.org/presentationml/2006/main">
+  <p:cSld>
+    <p:spTree>
+      <p:nvGrpSpPr>
+        <p:cNvPr id="1" name=""/>
+        <p:cNvGrpSpPr/>
+        <p:nvPr/>
+      </p:nvGrpSpPr>
+      <p:grpSpPr>
+        <a:xfrm>
+          <a:off x="0" y="0"/>
+          <a:ext cx="0" cy="0"/>
+          <a:chOff x="0" y="0"/>
+          <a:chExt cx="0" cy="0"/>
+        </a:xfrm>
+      </p:grpSpPr>
+      <p:sp>
+        <p:nvSpPr>
+          <p:cNvPr id="2" name="Title 1">
+            <a:extLst>
+              <a:ext uri="{FF2B5EF4-FFF2-40B4-BE49-F238E27FC236}">
+                <a16:creationId xmlns:a16="http://schemas.microsoft.com/office/drawing/2014/main" id="{5350BC76-8FB2-25CA-6DEA-1743F5232F6B}"/>
+              </a:ext>
+            </a:extLst>
+          </p:cNvPr>
+          <p:cNvSpPr>
+            <a:spLocks noGrp="1"/>
+          </p:cNvSpPr>
+          <p:nvPr>
+            <p:ph type="title"/>
+          </p:nvPr>
+        </p:nvSpPr>
+        <p:spPr>
+          <a:xfrm>
+            <a:off x="913795" y="609601"/>
+            <a:ext cx="10353762" cy="609600"/>
+          </a:xfrm>
+        </p:spPr>
+        <p:txBody>
+          <a:bodyPr>
+            <a:normAutofit/>
+          </a:bodyPr>
+          <a:lstStyle/>
+          <a:p>
+            <a:pPr algn="l"/>
+            <a:r>
+              <a:rPr lang="en-US" sz="2400" b="1" dirty="0"/>
+              <a:t>Types of Python Function Arguments:</a:t>
+            </a:r>
+            <a:endParaRPr lang="en-IN" sz="2400" b="1" dirty="0"/>
+          </a:p>
+        </p:txBody>
+      </p:sp>
+      <p:sp>
+        <p:nvSpPr>
+          <p:cNvPr id="3" name="Content Placeholder 2">
+            <a:extLst>
+              <a:ext uri="{FF2B5EF4-FFF2-40B4-BE49-F238E27FC236}">
+                <a16:creationId xmlns:a16="http://schemas.microsoft.com/office/drawing/2014/main" id="{744F31BA-5991-E531-A98B-422417C474B2}"/>
+              </a:ext>
+            </a:extLst>
+          </p:cNvPr>
+          <p:cNvSpPr>
+            <a:spLocks noGrp="1"/>
+          </p:cNvSpPr>
+          <p:nvPr>
+            <p:ph idx="1"/>
+          </p:nvPr>
+        </p:nvSpPr>
+        <p:spPr>
+          <a:xfrm>
+            <a:off x="913795" y="1219201"/>
+            <a:ext cx="10353762" cy="4571999"/>
+          </a:xfrm>
+        </p:spPr>
+        <p:txBody>
+          <a:bodyPr/>
+          <a:lstStyle/>
+          <a:p>
+            <a:pPr marL="36900" indent="0" fontAlgn="base">
+              <a:buNone/>
+            </a:pPr>
+            <a:r>
+              <a:rPr lang="en-US" sz="1800" dirty="0">
+                <a:effectLst/>
+              </a:rPr>
+              <a:t>Python supports various types of arguments that can be passed at the time of the function call. In Python, we have the following function argument types in Python:</a:t>
+            </a:r>
+          </a:p>
+          <a:p>
+            <a:pPr fontAlgn="base">
+              <a:buFont typeface="Wingdings" panose="05000000000000000000" pitchFamily="2" charset="2"/>
+              <a:buChar char="Ø"/>
+            </a:pPr>
+            <a:r>
+              <a:rPr lang="en-US" sz="1800" b="1" dirty="0">
+                <a:effectLst/>
+              </a:rPr>
+              <a:t>Default argument</a:t>
+            </a:r>
+            <a:endParaRPr lang="en-US" sz="1800" dirty="0">
+              <a:effectLst/>
+            </a:endParaRPr>
+          </a:p>
+          <a:p>
+            <a:pPr fontAlgn="base">
+              <a:buFont typeface="Wingdings" panose="05000000000000000000" pitchFamily="2" charset="2"/>
+              <a:buChar char="Ø"/>
+            </a:pPr>
+            <a:r>
+              <a:rPr lang="en-US" sz="1800" b="1" dirty="0">
+                <a:effectLst/>
+              </a:rPr>
+              <a:t>Keyword arguments (named arguments)</a:t>
+            </a:r>
+            <a:endParaRPr lang="en-US" sz="1800" dirty="0">
+              <a:effectLst/>
+            </a:endParaRPr>
+          </a:p>
+          <a:p>
+            <a:pPr fontAlgn="base">
+              <a:buFont typeface="Wingdings" panose="05000000000000000000" pitchFamily="2" charset="2"/>
+              <a:buChar char="Ø"/>
+            </a:pPr>
+            <a:r>
+              <a:rPr lang="en-US" sz="1800" b="1" dirty="0">
+                <a:effectLst/>
+              </a:rPr>
+              <a:t>Positional arguments</a:t>
+            </a:r>
+            <a:endParaRPr lang="en-US" sz="1800" dirty="0">
+              <a:effectLst/>
+            </a:endParaRPr>
+          </a:p>
+          <a:p>
+            <a:pPr fontAlgn="base">
+              <a:buFont typeface="Wingdings" panose="05000000000000000000" pitchFamily="2" charset="2"/>
+              <a:buChar char="Ø"/>
+            </a:pPr>
+            <a:r>
+              <a:rPr lang="en-US" sz="1800" b="1" dirty="0">
+                <a:effectLst/>
+              </a:rPr>
+              <a:t>Arbitrary arguments</a:t>
+            </a:r>
+            <a:r>
+              <a:rPr lang="en-US" sz="1800" dirty="0">
+                <a:effectLst/>
+              </a:rPr>
+              <a:t> (variable-length arguments *</a:t>
+            </a:r>
+            <a:r>
+              <a:rPr lang="en-US" sz="1800" dirty="0" err="1">
+                <a:effectLst/>
+              </a:rPr>
+              <a:t>args</a:t>
+            </a:r>
+            <a:r>
+              <a:rPr lang="en-US" sz="1800" dirty="0">
+                <a:effectLst/>
+              </a:rPr>
+              <a:t> and **</a:t>
+            </a:r>
+            <a:r>
+              <a:rPr lang="en-US" sz="1800" dirty="0" err="1">
+                <a:effectLst/>
+              </a:rPr>
+              <a:t>kwargs</a:t>
+            </a:r>
+            <a:r>
+              <a:rPr lang="en-US" sz="1800" dirty="0">
+                <a:effectLst/>
+              </a:rPr>
+              <a:t>)</a:t>
+            </a:r>
+          </a:p>
+          <a:p>
+            <a:pPr marL="36900" indent="0" fontAlgn="base">
+              <a:buNone/>
+            </a:pPr>
+            <a:r>
+              <a:rPr lang="en-US" b="1" dirty="0">
+                <a:effectLst/>
+              </a:rPr>
+              <a:t>Default Arguments</a:t>
+            </a:r>
+          </a:p>
+          <a:p>
+            <a:pPr marL="36900" indent="0" fontAlgn="base">
+              <a:buNone/>
+            </a:pPr>
+            <a:r>
+              <a:rPr lang="en-US" sz="1800" dirty="0">
+                <a:effectLst/>
+              </a:rPr>
+              <a:t>A </a:t>
+            </a:r>
+            <a:r>
+              <a:rPr lang="en-US" sz="1800" u="sng" dirty="0">
+                <a:effectLst/>
+                <a:hlinkClick r:id="rId2"/>
+              </a:rPr>
+              <a:t>default argument</a:t>
+            </a:r>
+            <a:r>
+              <a:rPr lang="en-US" sz="1800" dirty="0">
+                <a:effectLst/>
+              </a:rPr>
+              <a:t> is a parameter that assumes a default value if a value is not provided in the function call for that argument. The following example illustrates Default arguments to write functions in Python.</a:t>
+            </a:r>
+          </a:p>
+          <a:p>
+            <a:pPr marL="36900" indent="0">
+              <a:buNone/>
+            </a:pPr>
+            <a:endParaRPr lang="en-IN" dirty="0"/>
+          </a:p>
+        </p:txBody>
+      </p:sp>
+      <p:pic>
+        <p:nvPicPr>
+          <p:cNvPr id="5" name="Picture 4">
+            <a:extLst>
+              <a:ext uri="{FF2B5EF4-FFF2-40B4-BE49-F238E27FC236}">
+                <a16:creationId xmlns:a16="http://schemas.microsoft.com/office/drawing/2014/main" id="{BABCA747-354E-7B33-1D28-3BE541D85967}"/>
+              </a:ext>
+            </a:extLst>
+          </p:cNvPr>
+          <p:cNvPicPr>
+            <a:picLocks noChangeAspect="1"/>
+          </p:cNvPicPr>
+          <p:nvPr/>
+        </p:nvPicPr>
+        <p:blipFill>
+          <a:blip r:embed="rId3">
+            <a:extLst>
+              <a:ext uri="{28A0092B-C50C-407E-A947-70E740481C1C}">
+                <a14:useLocalDpi xmlns:a14="http://schemas.microsoft.com/office/drawing/2010/main" val="0"/>
+              </a:ext>
+            </a:extLst>
+          </a:blip>
+          <a:srcRect l="-1367" t="-6881" r="1367" b="5765"/>
+          <a:stretch>
+            <a:fillRect/>
+          </a:stretch>
+        </p:blipFill>
+        <p:spPr>
+          <a:xfrm>
+            <a:off x="2279524" y="4519080"/>
+            <a:ext cx="3256303" cy="2338920"/>
+          </a:xfrm>
+          <a:prstGeom prst="rect">
+            <a:avLst/>
+          </a:prstGeom>
+        </p:spPr>
+      </p:pic>
+    </p:spTree>
+    <p:extLst>
+      <p:ext uri="{BB962C8B-B14F-4D97-AF65-F5344CB8AC3E}">
+        <p14:creationId xmlns:p14="http://schemas.microsoft.com/office/powerpoint/2010/main" val="1924796521"/>
+      </p:ext>
+    </p:extLst>
+  </p:cSld>
+  <p:clrMapOvr>
+    <a:masterClrMapping/>
+  </p:clrMapOvr>
+</p:sld>
+</file>
+
 <file path=ppt/slides/slide4.xml><?xml version="1.0" encoding="utf-8"?>
 <p:sld xmlns:a="http://schemas.openxmlformats.org/drawingml/2006/main" xmlns:r="http://schemas.openxmlformats.org/officeDocument/2006/relationships" xmlns:p="http://schemas.openxmlformats.org/presentationml/2006/main">
   <p:cSld>

--- a/Python.pptx
+++ b/Python.pptx
@@ -5,7 +5,7 @@
     <p:sldMasterId id="2147483720" r:id="rId1"/>
   </p:sldMasterIdLst>
   <p:notesMasterIdLst>
-    <p:notesMasterId r:id="rId41"/>
+    <p:notesMasterId r:id="rId56"/>
   </p:notesMasterIdLst>
   <p:sldIdLst>
     <p:sldId id="256" r:id="rId2"/>
@@ -47,6 +47,21 @@
     <p:sldId id="293" r:id="rId38"/>
     <p:sldId id="294" r:id="rId39"/>
     <p:sldId id="295" r:id="rId40"/>
+    <p:sldId id="296" r:id="rId41"/>
+    <p:sldId id="297" r:id="rId42"/>
+    <p:sldId id="298" r:id="rId43"/>
+    <p:sldId id="299" r:id="rId44"/>
+    <p:sldId id="300" r:id="rId45"/>
+    <p:sldId id="304" r:id="rId46"/>
+    <p:sldId id="301" r:id="rId47"/>
+    <p:sldId id="302" r:id="rId48"/>
+    <p:sldId id="303" r:id="rId49"/>
+    <p:sldId id="305" r:id="rId50"/>
+    <p:sldId id="306" r:id="rId51"/>
+    <p:sldId id="307" r:id="rId52"/>
+    <p:sldId id="309" r:id="rId53"/>
+    <p:sldId id="308" r:id="rId54"/>
+    <p:sldId id="310" r:id="rId55"/>
   </p:sldIdLst>
   <p:sldSz cx="12192000" cy="6858000"/>
   <p:notesSz cx="6858000" cy="9144000"/>
@@ -7183,12 +7198,12 @@
             </a:r>
           </a:p>
           <a:p>
-            <a:r>
-              <a:rPr lang="en-IN" dirty="0">
-                <a:effectLst/>
-              </a:rPr>
-              <a:t> </a:t>
-            </a:r>
+            <a:pPr marL="36900" indent="0">
+              <a:buNone/>
+            </a:pPr>
+            <a:endParaRPr lang="en-IN" dirty="0">
+              <a:effectLst/>
+            </a:endParaRPr>
           </a:p>
           <a:p>
             <a:pPr marL="36900" indent="0" algn="just">
@@ -13059,8 +13074,8 @@
         </p:nvSpPr>
         <p:spPr>
           <a:xfrm>
-            <a:off x="913795" y="1219201"/>
-            <a:ext cx="10353762" cy="4571999"/>
+            <a:off x="913795" y="1100667"/>
+            <a:ext cx="10353762" cy="4690533"/>
           </a:xfrm>
         </p:spPr>
         <p:txBody>
@@ -13236,8 +13251,8 @@
         </p:blipFill>
         <p:spPr>
           <a:xfrm>
-            <a:off x="2279524" y="4519080"/>
-            <a:ext cx="3256303" cy="2338920"/>
+            <a:off x="2611951" y="4309616"/>
+            <a:ext cx="3721116" cy="2548384"/>
           </a:xfrm>
           <a:prstGeom prst="rect">
             <a:avLst/>
@@ -13454,6 +13469,2396 @@
 </p:sld>
 </file>
 
+<file path=ppt/slides/slide40.xml><?xml version="1.0" encoding="utf-8"?>
+<p:sld xmlns:a="http://schemas.openxmlformats.org/drawingml/2006/main" xmlns:r="http://schemas.openxmlformats.org/officeDocument/2006/relationships" xmlns:p="http://schemas.openxmlformats.org/presentationml/2006/main">
+  <p:cSld>
+    <p:spTree>
+      <p:nvGrpSpPr>
+        <p:cNvPr id="1" name=""/>
+        <p:cNvGrpSpPr/>
+        <p:nvPr/>
+      </p:nvGrpSpPr>
+      <p:grpSpPr>
+        <a:xfrm>
+          <a:off x="0" y="0"/>
+          <a:ext cx="0" cy="0"/>
+          <a:chOff x="0" y="0"/>
+          <a:chExt cx="0" cy="0"/>
+        </a:xfrm>
+      </p:grpSpPr>
+      <p:sp>
+        <p:nvSpPr>
+          <p:cNvPr id="2" name="Title 1">
+            <a:extLst>
+              <a:ext uri="{FF2B5EF4-FFF2-40B4-BE49-F238E27FC236}">
+                <a16:creationId xmlns:a16="http://schemas.microsoft.com/office/drawing/2014/main" id="{2D1C5A0B-BA1E-E0DE-66ED-3C878A7B4E25}"/>
+              </a:ext>
+            </a:extLst>
+          </p:cNvPr>
+          <p:cNvSpPr>
+            <a:spLocks noGrp="1"/>
+          </p:cNvSpPr>
+          <p:nvPr>
+            <p:ph type="title"/>
+          </p:nvPr>
+        </p:nvSpPr>
+        <p:spPr>
+          <a:xfrm>
+            <a:off x="913795" y="609600"/>
+            <a:ext cx="10353762" cy="626533"/>
+          </a:xfrm>
+        </p:spPr>
+        <p:txBody>
+          <a:bodyPr>
+            <a:normAutofit/>
+          </a:bodyPr>
+          <a:lstStyle/>
+          <a:p>
+            <a:pPr algn="l"/>
+            <a:r>
+              <a:rPr lang="en-IN" sz="2400" b="1" dirty="0"/>
+              <a:t>Keyword Arguments:</a:t>
+            </a:r>
+          </a:p>
+        </p:txBody>
+      </p:sp>
+      <p:sp>
+        <p:nvSpPr>
+          <p:cNvPr id="3" name="Content Placeholder 2">
+            <a:extLst>
+              <a:ext uri="{FF2B5EF4-FFF2-40B4-BE49-F238E27FC236}">
+                <a16:creationId xmlns:a16="http://schemas.microsoft.com/office/drawing/2014/main" id="{4DA69254-921B-0E58-2FE5-2B998AC584F1}"/>
+              </a:ext>
+            </a:extLst>
+          </p:cNvPr>
+          <p:cNvSpPr>
+            <a:spLocks noGrp="1"/>
+          </p:cNvSpPr>
+          <p:nvPr>
+            <p:ph idx="1"/>
+          </p:nvPr>
+        </p:nvSpPr>
+        <p:spPr>
+          <a:xfrm>
+            <a:off x="913794" y="1083733"/>
+            <a:ext cx="5902199" cy="4707467"/>
+          </a:xfrm>
+        </p:spPr>
+        <p:txBody>
+          <a:bodyPr>
+            <a:normAutofit lnSpcReduction="10000"/>
+          </a:bodyPr>
+          <a:lstStyle/>
+          <a:p>
+            <a:pPr marL="36900" indent="0" algn="just">
+              <a:buNone/>
+            </a:pPr>
+            <a:r>
+              <a:rPr lang="en-US" sz="1800" dirty="0">
+                <a:effectLst/>
+              </a:rPr>
+              <a:t>The idea is to allow the caller to specify the argument name with values so that the caller does not need to remember the order of parameters.</a:t>
+            </a:r>
+          </a:p>
+          <a:p>
+            <a:pPr marL="36900" indent="0" algn="just">
+              <a:buNone/>
+            </a:pPr>
+            <a:endParaRPr lang="en-US" dirty="0">
+              <a:effectLst/>
+            </a:endParaRPr>
+          </a:p>
+          <a:p>
+            <a:pPr marL="36900" indent="0">
+              <a:buNone/>
+            </a:pPr>
+            <a:endParaRPr lang="en-US" dirty="0">
+              <a:effectLst/>
+            </a:endParaRPr>
+          </a:p>
+          <a:p>
+            <a:pPr marL="36900" indent="0">
+              <a:buNone/>
+            </a:pPr>
+            <a:endParaRPr lang="en-US" dirty="0">
+              <a:effectLst/>
+            </a:endParaRPr>
+          </a:p>
+          <a:p>
+            <a:pPr marL="36900" indent="0">
+              <a:buNone/>
+            </a:pPr>
+            <a:r>
+              <a:rPr lang="en-US" sz="2400" b="1" dirty="0">
+                <a:effectLst/>
+              </a:rPr>
+              <a:t>Positional Arguments:</a:t>
+            </a:r>
+          </a:p>
+          <a:p>
+            <a:pPr marL="36900" indent="0" algn="just">
+              <a:buNone/>
+            </a:pPr>
+            <a:r>
+              <a:rPr lang="en-US" sz="1800" dirty="0">
+                <a:effectLst/>
+              </a:rPr>
+              <a:t>Positional arguments are values passed to a function during its call, where the order of these values determines which parameter they correspond to within the function's definition. </a:t>
+            </a:r>
+            <a:r>
+              <a:rPr lang="en-US" dirty="0">
+                <a:effectLst/>
+              </a:rPr>
+              <a:t>We used the </a:t>
+            </a:r>
+            <a:r>
+              <a:rPr lang="en-US" u="sng" dirty="0">
+                <a:effectLst/>
+                <a:hlinkClick r:id="rId2"/>
+              </a:rPr>
+              <a:t>Position argument</a:t>
+            </a:r>
+            <a:r>
+              <a:rPr lang="en-US" dirty="0">
+                <a:effectLst/>
+              </a:rPr>
+              <a:t> during the function call so that the first argument (or value) is assigned to name and the second argument (or value) is assigned to age. </a:t>
+            </a:r>
+            <a:endParaRPr lang="en-IN" sz="1800" b="1" dirty="0"/>
+          </a:p>
+        </p:txBody>
+      </p:sp>
+      <p:pic>
+        <p:nvPicPr>
+          <p:cNvPr id="5" name="Picture 4">
+            <a:extLst>
+              <a:ext uri="{FF2B5EF4-FFF2-40B4-BE49-F238E27FC236}">
+                <a16:creationId xmlns:a16="http://schemas.microsoft.com/office/drawing/2014/main" id="{FCA8BD66-09A5-580D-0D94-3ECE8F8ADFEF}"/>
+              </a:ext>
+            </a:extLst>
+          </p:cNvPr>
+          <p:cNvPicPr>
+            <a:picLocks noChangeAspect="1"/>
+          </p:cNvPicPr>
+          <p:nvPr/>
+        </p:nvPicPr>
+        <p:blipFill>
+          <a:blip r:embed="rId3">
+            <a:extLst>
+              <a:ext uri="{28A0092B-C50C-407E-A947-70E740481C1C}">
+                <a14:useLocalDpi xmlns:a14="http://schemas.microsoft.com/office/drawing/2010/main" val="0"/>
+              </a:ext>
+            </a:extLst>
+          </a:blip>
+          <a:stretch>
+            <a:fillRect/>
+          </a:stretch>
+        </p:blipFill>
+        <p:spPr>
+          <a:xfrm>
+            <a:off x="7992822" y="1075264"/>
+            <a:ext cx="3641285" cy="1557868"/>
+          </a:xfrm>
+          <a:prstGeom prst="rect">
+            <a:avLst/>
+          </a:prstGeom>
+        </p:spPr>
+      </p:pic>
+      <p:pic>
+        <p:nvPicPr>
+          <p:cNvPr id="7" name="Picture 6">
+            <a:extLst>
+              <a:ext uri="{FF2B5EF4-FFF2-40B4-BE49-F238E27FC236}">
+                <a16:creationId xmlns:a16="http://schemas.microsoft.com/office/drawing/2014/main" id="{F243E885-3FAE-8241-907E-D9F21C75695F}"/>
+              </a:ext>
+            </a:extLst>
+          </p:cNvPr>
+          <p:cNvPicPr>
+            <a:picLocks noChangeAspect="1"/>
+          </p:cNvPicPr>
+          <p:nvPr/>
+        </p:nvPicPr>
+        <p:blipFill>
+          <a:blip r:embed="rId4">
+            <a:extLst>
+              <a:ext uri="{28A0092B-C50C-407E-A947-70E740481C1C}">
+                <a14:useLocalDpi xmlns:a14="http://schemas.microsoft.com/office/drawing/2010/main" val="0"/>
+              </a:ext>
+            </a:extLst>
+          </a:blip>
+          <a:stretch>
+            <a:fillRect/>
+          </a:stretch>
+        </p:blipFill>
+        <p:spPr>
+          <a:xfrm>
+            <a:off x="7992822" y="3420534"/>
+            <a:ext cx="2929480" cy="3132667"/>
+          </a:xfrm>
+          <a:prstGeom prst="rect">
+            <a:avLst/>
+          </a:prstGeom>
+        </p:spPr>
+      </p:pic>
+    </p:spTree>
+    <p:extLst>
+      <p:ext uri="{BB962C8B-B14F-4D97-AF65-F5344CB8AC3E}">
+        <p14:creationId xmlns:p14="http://schemas.microsoft.com/office/powerpoint/2010/main" val="2140646950"/>
+      </p:ext>
+    </p:extLst>
+  </p:cSld>
+  <p:clrMapOvr>
+    <a:masterClrMapping/>
+  </p:clrMapOvr>
+</p:sld>
+</file>
+
+<file path=ppt/slides/slide41.xml><?xml version="1.0" encoding="utf-8"?>
+<p:sld xmlns:a="http://schemas.openxmlformats.org/drawingml/2006/main" xmlns:r="http://schemas.openxmlformats.org/officeDocument/2006/relationships" xmlns:p="http://schemas.openxmlformats.org/presentationml/2006/main">
+  <p:cSld>
+    <p:spTree>
+      <p:nvGrpSpPr>
+        <p:cNvPr id="1" name=""/>
+        <p:cNvGrpSpPr/>
+        <p:nvPr/>
+      </p:nvGrpSpPr>
+      <p:grpSpPr>
+        <a:xfrm>
+          <a:off x="0" y="0"/>
+          <a:ext cx="0" cy="0"/>
+          <a:chOff x="0" y="0"/>
+          <a:chExt cx="0" cy="0"/>
+        </a:xfrm>
+      </p:grpSpPr>
+      <p:sp>
+        <p:nvSpPr>
+          <p:cNvPr id="2" name="Title 1">
+            <a:extLst>
+              <a:ext uri="{FF2B5EF4-FFF2-40B4-BE49-F238E27FC236}">
+                <a16:creationId xmlns:a16="http://schemas.microsoft.com/office/drawing/2014/main" id="{4415AA60-9F22-D491-738E-728C9E48099C}"/>
+              </a:ext>
+            </a:extLst>
+          </p:cNvPr>
+          <p:cNvSpPr>
+            <a:spLocks noGrp="1"/>
+          </p:cNvSpPr>
+          <p:nvPr>
+            <p:ph type="title"/>
+          </p:nvPr>
+        </p:nvSpPr>
+        <p:spPr>
+          <a:xfrm>
+            <a:off x="913795" y="609600"/>
+            <a:ext cx="10353762" cy="694267"/>
+          </a:xfrm>
+        </p:spPr>
+        <p:txBody>
+          <a:bodyPr>
+            <a:normAutofit/>
+          </a:bodyPr>
+          <a:lstStyle/>
+          <a:p>
+            <a:pPr algn="l"/>
+            <a:r>
+              <a:rPr lang="en-IN" sz="2400" b="1" dirty="0"/>
+              <a:t>Arbitrary Keyword  Arguments:</a:t>
+            </a:r>
+          </a:p>
+        </p:txBody>
+      </p:sp>
+      <p:sp>
+        <p:nvSpPr>
+          <p:cNvPr id="3" name="Content Placeholder 2">
+            <a:extLst>
+              <a:ext uri="{FF2B5EF4-FFF2-40B4-BE49-F238E27FC236}">
+                <a16:creationId xmlns:a16="http://schemas.microsoft.com/office/drawing/2014/main" id="{45E6BADD-04FC-B958-A57E-B157B8611198}"/>
+              </a:ext>
+            </a:extLst>
+          </p:cNvPr>
+          <p:cNvSpPr>
+            <a:spLocks noGrp="1"/>
+          </p:cNvSpPr>
+          <p:nvPr>
+            <p:ph idx="1"/>
+          </p:nvPr>
+        </p:nvSpPr>
+        <p:spPr>
+          <a:xfrm>
+            <a:off x="913795" y="1303867"/>
+            <a:ext cx="10353762" cy="4487333"/>
+          </a:xfrm>
+        </p:spPr>
+        <p:txBody>
+          <a:bodyPr/>
+          <a:lstStyle/>
+          <a:p>
+            <a:pPr marL="36900" indent="0" fontAlgn="base">
+              <a:buNone/>
+            </a:pPr>
+            <a:r>
+              <a:rPr lang="en-IN" sz="1800" dirty="0">
+                <a:effectLst/>
+              </a:rPr>
+              <a:t>In Python Arbitrary Keyword Arguments, </a:t>
+            </a:r>
+            <a:r>
+              <a:rPr lang="en-IN" sz="1800" u="sng" dirty="0">
+                <a:effectLst/>
+                <a:hlinkClick r:id="rId2"/>
+              </a:rPr>
+              <a:t>*</a:t>
+            </a:r>
+            <a:r>
+              <a:rPr lang="en-IN" sz="1800" u="sng" dirty="0" err="1">
+                <a:effectLst/>
+                <a:hlinkClick r:id="rId2"/>
+              </a:rPr>
+              <a:t>args</a:t>
+            </a:r>
+            <a:r>
+              <a:rPr lang="en-IN" sz="1800" u="sng" dirty="0">
+                <a:effectLst/>
+                <a:hlinkClick r:id="rId2"/>
+              </a:rPr>
+              <a:t>, and **</a:t>
+            </a:r>
+            <a:r>
+              <a:rPr lang="en-IN" sz="1800" u="sng" dirty="0" err="1">
+                <a:effectLst/>
+                <a:hlinkClick r:id="rId2"/>
+              </a:rPr>
+              <a:t>kwargs</a:t>
+            </a:r>
+            <a:r>
+              <a:rPr lang="en-IN" sz="1800" dirty="0">
+                <a:effectLst/>
+              </a:rPr>
+              <a:t> can pass a variable number of arguments to a function using special symbols. There are two special symbols:</a:t>
+            </a:r>
+          </a:p>
+          <a:p>
+            <a:pPr fontAlgn="base"/>
+            <a:r>
+              <a:rPr lang="en-IN" sz="1800" b="1" dirty="0">
+                <a:effectLst/>
+              </a:rPr>
+              <a:t>*</a:t>
+            </a:r>
+            <a:r>
+              <a:rPr lang="en-IN" sz="1800" b="1" dirty="0" err="1">
+                <a:effectLst/>
+              </a:rPr>
+              <a:t>args</a:t>
+            </a:r>
+            <a:r>
+              <a:rPr lang="en-IN" sz="1800" dirty="0">
+                <a:effectLst/>
+              </a:rPr>
+              <a:t> in Python (Non-Keyword Arguments)</a:t>
+            </a:r>
+          </a:p>
+          <a:p>
+            <a:pPr fontAlgn="base"/>
+            <a:r>
+              <a:rPr lang="en-IN" sz="1800" b="1" dirty="0">
+                <a:effectLst/>
+              </a:rPr>
+              <a:t>**</a:t>
+            </a:r>
+            <a:r>
+              <a:rPr lang="en-IN" sz="1800" b="1" dirty="0" err="1">
+                <a:effectLst/>
+              </a:rPr>
+              <a:t>kwargs</a:t>
+            </a:r>
+            <a:r>
+              <a:rPr lang="en-IN" sz="1800" dirty="0">
+                <a:effectLst/>
+              </a:rPr>
+              <a:t> in Python (Keyword Arguments)</a:t>
+            </a:r>
+          </a:p>
+          <a:p>
+            <a:pPr marL="36900" indent="0" fontAlgn="base">
+              <a:buNone/>
+            </a:pPr>
+            <a:r>
+              <a:rPr lang="en-US" b="1" dirty="0">
+                <a:effectLst/>
+              </a:rPr>
+              <a:t>Example 1:</a:t>
+            </a:r>
+            <a:r>
+              <a:rPr lang="en-US" dirty="0">
+                <a:effectLst/>
+              </a:rPr>
+              <a:t> Variable length non-keywords argument</a:t>
+            </a:r>
+            <a:endParaRPr lang="en-IN" sz="1800" dirty="0">
+              <a:effectLst/>
+            </a:endParaRPr>
+          </a:p>
+          <a:p>
+            <a:pPr marL="36900" indent="0">
+              <a:buNone/>
+            </a:pPr>
+            <a:endParaRPr lang="en-IN" dirty="0"/>
+          </a:p>
+        </p:txBody>
+      </p:sp>
+      <p:pic>
+        <p:nvPicPr>
+          <p:cNvPr id="5" name="Picture 4">
+            <a:extLst>
+              <a:ext uri="{FF2B5EF4-FFF2-40B4-BE49-F238E27FC236}">
+                <a16:creationId xmlns:a16="http://schemas.microsoft.com/office/drawing/2014/main" id="{EB59C41C-44DA-9386-348B-9FA32F7C7A2A}"/>
+              </a:ext>
+            </a:extLst>
+          </p:cNvPr>
+          <p:cNvPicPr>
+            <a:picLocks noChangeAspect="1"/>
+          </p:cNvPicPr>
+          <p:nvPr/>
+        </p:nvPicPr>
+        <p:blipFill>
+          <a:blip r:embed="rId3">
+            <a:extLst>
+              <a:ext uri="{28A0092B-C50C-407E-A947-70E740481C1C}">
+                <a14:useLocalDpi xmlns:a14="http://schemas.microsoft.com/office/drawing/2010/main" val="0"/>
+              </a:ext>
+            </a:extLst>
+          </a:blip>
+          <a:stretch>
+            <a:fillRect/>
+          </a:stretch>
+        </p:blipFill>
+        <p:spPr>
+          <a:xfrm>
+            <a:off x="1417508" y="3293534"/>
+            <a:ext cx="4486901" cy="2638793"/>
+          </a:xfrm>
+          <a:prstGeom prst="rect">
+            <a:avLst/>
+          </a:prstGeom>
+        </p:spPr>
+      </p:pic>
+    </p:spTree>
+    <p:extLst>
+      <p:ext uri="{BB962C8B-B14F-4D97-AF65-F5344CB8AC3E}">
+        <p14:creationId xmlns:p14="http://schemas.microsoft.com/office/powerpoint/2010/main" val="4104343631"/>
+      </p:ext>
+    </p:extLst>
+  </p:cSld>
+  <p:clrMapOvr>
+    <a:masterClrMapping/>
+  </p:clrMapOvr>
+</p:sld>
+</file>
+
+<file path=ppt/slides/slide42.xml><?xml version="1.0" encoding="utf-8"?>
+<p:sld xmlns:a="http://schemas.openxmlformats.org/drawingml/2006/main" xmlns:r="http://schemas.openxmlformats.org/officeDocument/2006/relationships" xmlns:p="http://schemas.openxmlformats.org/presentationml/2006/main">
+  <p:cSld>
+    <p:spTree>
+      <p:nvGrpSpPr>
+        <p:cNvPr id="1" name=""/>
+        <p:cNvGrpSpPr/>
+        <p:nvPr/>
+      </p:nvGrpSpPr>
+      <p:grpSpPr>
+        <a:xfrm>
+          <a:off x="0" y="0"/>
+          <a:ext cx="0" cy="0"/>
+          <a:chOff x="0" y="0"/>
+          <a:chExt cx="0" cy="0"/>
+        </a:xfrm>
+      </p:grpSpPr>
+      <p:sp>
+        <p:nvSpPr>
+          <p:cNvPr id="2" name="Title 1">
+            <a:extLst>
+              <a:ext uri="{FF2B5EF4-FFF2-40B4-BE49-F238E27FC236}">
+                <a16:creationId xmlns:a16="http://schemas.microsoft.com/office/drawing/2014/main" id="{25F9B8DC-D947-A2A6-32B6-738C1B28EC3D}"/>
+              </a:ext>
+            </a:extLst>
+          </p:cNvPr>
+          <p:cNvSpPr>
+            <a:spLocks noGrp="1"/>
+          </p:cNvSpPr>
+          <p:nvPr>
+            <p:ph type="title"/>
+          </p:nvPr>
+        </p:nvSpPr>
+        <p:spPr>
+          <a:xfrm>
+            <a:off x="913795" y="609600"/>
+            <a:ext cx="10353762" cy="609600"/>
+          </a:xfrm>
+        </p:spPr>
+        <p:txBody>
+          <a:bodyPr>
+            <a:normAutofit/>
+          </a:bodyPr>
+          <a:lstStyle/>
+          <a:p>
+            <a:pPr algn="l"/>
+            <a:r>
+              <a:rPr lang="en-US" sz="2400" b="1" dirty="0">
+                <a:effectLst/>
+              </a:rPr>
+              <a:t>Example 2: </a:t>
+            </a:r>
+            <a:r>
+              <a:rPr lang="en-US" sz="2400" dirty="0">
+                <a:effectLst/>
+              </a:rPr>
+              <a:t>Variable length keyword arguments:</a:t>
+            </a:r>
+            <a:endParaRPr lang="en-IN" sz="2400" dirty="0"/>
+          </a:p>
+        </p:txBody>
+      </p:sp>
+      <p:sp>
+        <p:nvSpPr>
+          <p:cNvPr id="3" name="Content Placeholder 2">
+            <a:extLst>
+              <a:ext uri="{FF2B5EF4-FFF2-40B4-BE49-F238E27FC236}">
+                <a16:creationId xmlns:a16="http://schemas.microsoft.com/office/drawing/2014/main" id="{D1A5361E-9D6C-FDD0-7B6A-B5ADD2E26B39}"/>
+              </a:ext>
+            </a:extLst>
+          </p:cNvPr>
+          <p:cNvSpPr>
+            <a:spLocks noGrp="1"/>
+          </p:cNvSpPr>
+          <p:nvPr>
+            <p:ph idx="1"/>
+          </p:nvPr>
+        </p:nvSpPr>
+        <p:spPr>
+          <a:xfrm>
+            <a:off x="913795" y="1219201"/>
+            <a:ext cx="10353762" cy="4758266"/>
+          </a:xfrm>
+        </p:spPr>
+        <p:txBody>
+          <a:bodyPr>
+            <a:normAutofit fontScale="92500" lnSpcReduction="20000"/>
+          </a:bodyPr>
+          <a:lstStyle/>
+          <a:p>
+            <a:pPr marL="36900" indent="0">
+              <a:buNone/>
+            </a:pPr>
+            <a:endParaRPr lang="en-US" dirty="0"/>
+          </a:p>
+          <a:p>
+            <a:pPr marL="36900" indent="0">
+              <a:buNone/>
+            </a:pPr>
+            <a:endParaRPr lang="en-US" dirty="0"/>
+          </a:p>
+          <a:p>
+            <a:pPr marL="36900" indent="0">
+              <a:buNone/>
+            </a:pPr>
+            <a:endParaRPr lang="en-US" dirty="0"/>
+          </a:p>
+          <a:p>
+            <a:pPr marL="36900" indent="0">
+              <a:buNone/>
+            </a:pPr>
+            <a:endParaRPr lang="en-US" dirty="0"/>
+          </a:p>
+          <a:p>
+            <a:pPr marL="36900" indent="0">
+              <a:buNone/>
+            </a:pPr>
+            <a:endParaRPr lang="en-US" dirty="0"/>
+          </a:p>
+          <a:p>
+            <a:pPr fontAlgn="base"/>
+            <a:endParaRPr lang="en-US" b="1" dirty="0">
+              <a:effectLst/>
+            </a:endParaRPr>
+          </a:p>
+          <a:p>
+            <a:pPr marL="36900" indent="0" fontAlgn="base">
+              <a:buNone/>
+            </a:pPr>
+            <a:endParaRPr lang="en-US" b="1" dirty="0">
+              <a:effectLst/>
+            </a:endParaRPr>
+          </a:p>
+          <a:p>
+            <a:pPr marL="36900" indent="0" fontAlgn="base">
+              <a:buNone/>
+            </a:pPr>
+            <a:r>
+              <a:rPr lang="en-US" b="1" dirty="0">
+                <a:effectLst/>
+              </a:rPr>
+              <a:t>Docstring</a:t>
+            </a:r>
+          </a:p>
+          <a:p>
+            <a:pPr marL="36900" indent="0" algn="just" fontAlgn="base">
+              <a:buNone/>
+            </a:pPr>
+            <a:r>
+              <a:rPr lang="en-US" sz="1900" dirty="0">
+                <a:effectLst/>
+              </a:rPr>
+              <a:t>The first string after the function is called the Document string or </a:t>
+            </a:r>
+            <a:r>
+              <a:rPr lang="en-US" sz="1900" u="sng" dirty="0">
+                <a:effectLst/>
+                <a:hlinkClick r:id="rId2"/>
+              </a:rPr>
+              <a:t>Docstring</a:t>
+            </a:r>
+            <a:r>
+              <a:rPr lang="en-US" sz="1900" dirty="0">
+                <a:effectLst/>
+              </a:rPr>
+              <a:t> in short. This is used to describe the functionality of the function. The use of docstring in functions is optional but it is considered a good practice.</a:t>
+            </a:r>
+          </a:p>
+          <a:p>
+            <a:pPr marL="36900" indent="0">
+              <a:buNone/>
+            </a:pPr>
+            <a:r>
+              <a:rPr lang="en-US" sz="1900" dirty="0"/>
+              <a:t>The below syntax can be used to print out the docstring of a function.</a:t>
+            </a:r>
+          </a:p>
+          <a:p>
+            <a:pPr marL="36900" indent="0">
+              <a:buNone/>
+            </a:pPr>
+            <a:r>
+              <a:rPr lang="en-US" sz="1900" dirty="0"/>
+              <a:t>Syntax: print(</a:t>
+            </a:r>
+            <a:r>
+              <a:rPr lang="en-US" sz="1900" dirty="0" err="1"/>
+              <a:t>function_name.__doc</a:t>
+            </a:r>
+            <a:r>
+              <a:rPr lang="en-US" sz="1900" dirty="0"/>
+              <a:t>__)</a:t>
+            </a:r>
+          </a:p>
+          <a:p>
+            <a:pPr marL="36900" indent="0">
+              <a:buNone/>
+            </a:pPr>
+            <a:endParaRPr lang="en-US" dirty="0"/>
+          </a:p>
+          <a:p>
+            <a:pPr marL="36900" indent="0">
+              <a:buNone/>
+            </a:pPr>
+            <a:endParaRPr lang="en-US" dirty="0"/>
+          </a:p>
+          <a:p>
+            <a:pPr marL="36900" indent="0">
+              <a:buNone/>
+            </a:pPr>
+            <a:endParaRPr lang="en-US" dirty="0"/>
+          </a:p>
+          <a:p>
+            <a:pPr marL="36900" indent="0">
+              <a:buNone/>
+            </a:pPr>
+            <a:endParaRPr lang="en-US" dirty="0"/>
+          </a:p>
+          <a:p>
+            <a:pPr marL="36900" indent="0">
+              <a:buNone/>
+            </a:pPr>
+            <a:endParaRPr lang="en-US" dirty="0"/>
+          </a:p>
+          <a:p>
+            <a:pPr marL="36900" indent="0">
+              <a:buNone/>
+            </a:pPr>
+            <a:endParaRPr lang="en-US" dirty="0"/>
+          </a:p>
+          <a:p>
+            <a:pPr marL="36900" indent="0">
+              <a:buNone/>
+            </a:pPr>
+            <a:endParaRPr lang="en-IN" dirty="0"/>
+          </a:p>
+        </p:txBody>
+      </p:sp>
+      <p:pic>
+        <p:nvPicPr>
+          <p:cNvPr id="7" name="Picture 6">
+            <a:extLst>
+              <a:ext uri="{FF2B5EF4-FFF2-40B4-BE49-F238E27FC236}">
+                <a16:creationId xmlns:a16="http://schemas.microsoft.com/office/drawing/2014/main" id="{C1594C3F-C8D1-0613-4A2D-DC5B433A3669}"/>
+              </a:ext>
+            </a:extLst>
+          </p:cNvPr>
+          <p:cNvPicPr>
+            <a:picLocks noChangeAspect="1"/>
+          </p:cNvPicPr>
+          <p:nvPr/>
+        </p:nvPicPr>
+        <p:blipFill>
+          <a:blip r:embed="rId3">
+            <a:extLst>
+              <a:ext uri="{28A0092B-C50C-407E-A947-70E740481C1C}">
+                <a14:useLocalDpi xmlns:a14="http://schemas.microsoft.com/office/drawing/2010/main" val="0"/>
+              </a:ext>
+            </a:extLst>
+          </a:blip>
+          <a:stretch>
+            <a:fillRect/>
+          </a:stretch>
+        </p:blipFill>
+        <p:spPr>
+          <a:xfrm>
+            <a:off x="1421796" y="1219200"/>
+            <a:ext cx="4534533" cy="2410161"/>
+          </a:xfrm>
+          <a:prstGeom prst="rect">
+            <a:avLst/>
+          </a:prstGeom>
+        </p:spPr>
+      </p:pic>
+    </p:spTree>
+    <p:extLst>
+      <p:ext uri="{BB962C8B-B14F-4D97-AF65-F5344CB8AC3E}">
+        <p14:creationId xmlns:p14="http://schemas.microsoft.com/office/powerpoint/2010/main" val="4219521569"/>
+      </p:ext>
+    </p:extLst>
+  </p:cSld>
+  <p:clrMapOvr>
+    <a:masterClrMapping/>
+  </p:clrMapOvr>
+</p:sld>
+</file>
+
+<file path=ppt/slides/slide43.xml><?xml version="1.0" encoding="utf-8"?>
+<p:sld xmlns:a="http://schemas.openxmlformats.org/drawingml/2006/main" xmlns:r="http://schemas.openxmlformats.org/officeDocument/2006/relationships" xmlns:p="http://schemas.openxmlformats.org/presentationml/2006/main">
+  <p:cSld>
+    <p:spTree>
+      <p:nvGrpSpPr>
+        <p:cNvPr id="1" name=""/>
+        <p:cNvGrpSpPr/>
+        <p:nvPr/>
+      </p:nvGrpSpPr>
+      <p:grpSpPr>
+        <a:xfrm>
+          <a:off x="0" y="0"/>
+          <a:ext cx="0" cy="0"/>
+          <a:chOff x="0" y="0"/>
+          <a:chExt cx="0" cy="0"/>
+        </a:xfrm>
+      </p:grpSpPr>
+      <p:sp>
+        <p:nvSpPr>
+          <p:cNvPr id="2" name="Title 1">
+            <a:extLst>
+              <a:ext uri="{FF2B5EF4-FFF2-40B4-BE49-F238E27FC236}">
+                <a16:creationId xmlns:a16="http://schemas.microsoft.com/office/drawing/2014/main" id="{CCB9302A-D604-2F03-3901-3521278A3201}"/>
+              </a:ext>
+            </a:extLst>
+          </p:cNvPr>
+          <p:cNvSpPr>
+            <a:spLocks noGrp="1"/>
+          </p:cNvSpPr>
+          <p:nvPr>
+            <p:ph type="title"/>
+          </p:nvPr>
+        </p:nvSpPr>
+        <p:spPr>
+          <a:xfrm>
+            <a:off x="913795" y="609600"/>
+            <a:ext cx="10353762" cy="694267"/>
+          </a:xfrm>
+        </p:spPr>
+        <p:txBody>
+          <a:bodyPr>
+            <a:normAutofit fontScale="90000"/>
+          </a:bodyPr>
+          <a:lstStyle/>
+          <a:p>
+            <a:pPr algn="l"/>
+            <a:r>
+              <a:rPr lang="en-IN" dirty="0"/>
+              <a:t>Python Function within Functions:</a:t>
+            </a:r>
+          </a:p>
+        </p:txBody>
+      </p:sp>
+      <p:sp>
+        <p:nvSpPr>
+          <p:cNvPr id="3" name="Content Placeholder 2">
+            <a:extLst>
+              <a:ext uri="{FF2B5EF4-FFF2-40B4-BE49-F238E27FC236}">
+                <a16:creationId xmlns:a16="http://schemas.microsoft.com/office/drawing/2014/main" id="{1D70EA93-A427-3E2A-034D-A0B145217E7E}"/>
+              </a:ext>
+            </a:extLst>
+          </p:cNvPr>
+          <p:cNvSpPr>
+            <a:spLocks noGrp="1"/>
+          </p:cNvSpPr>
+          <p:nvPr>
+            <p:ph idx="1"/>
+          </p:nvPr>
+        </p:nvSpPr>
+        <p:spPr>
+          <a:xfrm>
+            <a:off x="913795" y="1303867"/>
+            <a:ext cx="10353762" cy="4487333"/>
+          </a:xfrm>
+        </p:spPr>
+        <p:txBody>
+          <a:bodyPr>
+            <a:normAutofit/>
+          </a:bodyPr>
+          <a:lstStyle/>
+          <a:p>
+            <a:pPr marL="36900" indent="0" algn="just">
+              <a:buNone/>
+            </a:pPr>
+            <a:r>
+              <a:rPr lang="en-US" sz="1800" dirty="0">
+                <a:effectLst/>
+              </a:rPr>
+              <a:t>A function that is defined inside another function is known as the </a:t>
+            </a:r>
+            <a:r>
+              <a:rPr lang="en-US" sz="1800" b="1" dirty="0">
+                <a:effectLst/>
+              </a:rPr>
+              <a:t>inner function</a:t>
+            </a:r>
+            <a:r>
+              <a:rPr lang="en-US" sz="1800" dirty="0">
+                <a:effectLst/>
+              </a:rPr>
+              <a:t> or </a:t>
+            </a:r>
+            <a:r>
+              <a:rPr lang="en-US" sz="1800" b="1" dirty="0">
+                <a:effectLst/>
+              </a:rPr>
+              <a:t>nested function</a:t>
+            </a:r>
+            <a:r>
+              <a:rPr lang="en-US" sz="1800" dirty="0">
+                <a:effectLst/>
+              </a:rPr>
+              <a:t>. Nested functions can access variables of the enclosing scope. Inner functions are used so that they can be protected from everything happening outside the function.</a:t>
+            </a:r>
+          </a:p>
+          <a:p>
+            <a:pPr marL="36900" indent="0" algn="just">
+              <a:buNone/>
+            </a:pPr>
+            <a:endParaRPr lang="en-IN" sz="1800" dirty="0"/>
+          </a:p>
+        </p:txBody>
+      </p:sp>
+      <p:pic>
+        <p:nvPicPr>
+          <p:cNvPr id="5" name="Picture 4">
+            <a:extLst>
+              <a:ext uri="{FF2B5EF4-FFF2-40B4-BE49-F238E27FC236}">
+                <a16:creationId xmlns:a16="http://schemas.microsoft.com/office/drawing/2014/main" id="{12029F5B-1B73-708D-028E-7C74FFE853DE}"/>
+              </a:ext>
+            </a:extLst>
+          </p:cNvPr>
+          <p:cNvPicPr>
+            <a:picLocks noChangeAspect="1"/>
+          </p:cNvPicPr>
+          <p:nvPr/>
+        </p:nvPicPr>
+        <p:blipFill>
+          <a:blip r:embed="rId2">
+            <a:extLst>
+              <a:ext uri="{28A0092B-C50C-407E-A947-70E740481C1C}">
+                <a14:useLocalDpi xmlns:a14="http://schemas.microsoft.com/office/drawing/2010/main" val="0"/>
+              </a:ext>
+            </a:extLst>
+          </a:blip>
+          <a:stretch>
+            <a:fillRect/>
+          </a:stretch>
+        </p:blipFill>
+        <p:spPr>
+          <a:xfrm>
+            <a:off x="1223919" y="2411760"/>
+            <a:ext cx="4697424" cy="2610214"/>
+          </a:xfrm>
+          <a:prstGeom prst="rect">
+            <a:avLst/>
+          </a:prstGeom>
+        </p:spPr>
+      </p:pic>
+    </p:spTree>
+    <p:extLst>
+      <p:ext uri="{BB962C8B-B14F-4D97-AF65-F5344CB8AC3E}">
+        <p14:creationId xmlns:p14="http://schemas.microsoft.com/office/powerpoint/2010/main" val="2220947406"/>
+      </p:ext>
+    </p:extLst>
+  </p:cSld>
+  <p:clrMapOvr>
+    <a:masterClrMapping/>
+  </p:clrMapOvr>
+</p:sld>
+</file>
+
+<file path=ppt/slides/slide44.xml><?xml version="1.0" encoding="utf-8"?>
+<p:sld xmlns:a="http://schemas.openxmlformats.org/drawingml/2006/main" xmlns:r="http://schemas.openxmlformats.org/officeDocument/2006/relationships" xmlns:p="http://schemas.openxmlformats.org/presentationml/2006/main">
+  <p:cSld>
+    <p:spTree>
+      <p:nvGrpSpPr>
+        <p:cNvPr id="1" name=""/>
+        <p:cNvGrpSpPr/>
+        <p:nvPr/>
+      </p:nvGrpSpPr>
+      <p:grpSpPr>
+        <a:xfrm>
+          <a:off x="0" y="0"/>
+          <a:ext cx="0" cy="0"/>
+          <a:chOff x="0" y="0"/>
+          <a:chExt cx="0" cy="0"/>
+        </a:xfrm>
+      </p:grpSpPr>
+      <p:sp>
+        <p:nvSpPr>
+          <p:cNvPr id="2" name="Title 1">
+            <a:extLst>
+              <a:ext uri="{FF2B5EF4-FFF2-40B4-BE49-F238E27FC236}">
+                <a16:creationId xmlns:a16="http://schemas.microsoft.com/office/drawing/2014/main" id="{6D2D2A7D-B011-9F88-2FF2-5FBF2261F76F}"/>
+              </a:ext>
+            </a:extLst>
+          </p:cNvPr>
+          <p:cNvSpPr>
+            <a:spLocks noGrp="1"/>
+          </p:cNvSpPr>
+          <p:nvPr>
+            <p:ph type="title"/>
+          </p:nvPr>
+        </p:nvSpPr>
+        <p:spPr>
+          <a:xfrm>
+            <a:off x="913795" y="609600"/>
+            <a:ext cx="10353762" cy="728133"/>
+          </a:xfrm>
+        </p:spPr>
+        <p:txBody>
+          <a:bodyPr/>
+          <a:lstStyle/>
+          <a:p>
+            <a:pPr algn="l"/>
+            <a:r>
+              <a:rPr lang="en-US"/>
+              <a:t> Use of Pass Keyword in a Function:</a:t>
+            </a:r>
+            <a:endParaRPr lang="en-IN" dirty="0"/>
+          </a:p>
+        </p:txBody>
+      </p:sp>
+      <p:sp>
+        <p:nvSpPr>
+          <p:cNvPr id="3" name="Content Placeholder 2">
+            <a:extLst>
+              <a:ext uri="{FF2B5EF4-FFF2-40B4-BE49-F238E27FC236}">
+                <a16:creationId xmlns:a16="http://schemas.microsoft.com/office/drawing/2014/main" id="{6AE09FFE-A594-F7FB-A3F5-CC992238D6F5}"/>
+              </a:ext>
+            </a:extLst>
+          </p:cNvPr>
+          <p:cNvSpPr>
+            <a:spLocks noGrp="1"/>
+          </p:cNvSpPr>
+          <p:nvPr>
+            <p:ph idx="1"/>
+          </p:nvPr>
+        </p:nvSpPr>
+        <p:spPr>
+          <a:xfrm>
+            <a:off x="913795" y="1337733"/>
+            <a:ext cx="10353762" cy="4453467"/>
+          </a:xfrm>
+        </p:spPr>
+        <p:txBody>
+          <a:bodyPr>
+            <a:normAutofit lnSpcReduction="10000"/>
+          </a:bodyPr>
+          <a:lstStyle/>
+          <a:p>
+            <a:pPr marL="36900" indent="0" algn="just">
+              <a:buNone/>
+            </a:pPr>
+            <a:r>
+              <a:rPr lang="en-US" sz="1800">
+                <a:effectLst/>
+              </a:rPr>
+              <a:t>Pass keyword in a </a:t>
+            </a:r>
+            <a:r>
+              <a:rPr lang="en-US" sz="1800" u="sng">
+                <a:effectLst/>
+                <a:hlinkClick r:id="rId2"/>
+              </a:rPr>
+              <a:t>function </a:t>
+            </a:r>
+            <a:r>
+              <a:rPr lang="en-US" sz="1800">
+                <a:effectLst/>
+              </a:rPr>
+              <a:t>is used when we define a function but don't want to implement its logic immediately. It allows the function to be syntactically valid, even though it doesn't perform any actions yet.</a:t>
+            </a:r>
+          </a:p>
+          <a:p>
+            <a:pPr marL="36900" indent="0">
+              <a:buNone/>
+            </a:pPr>
+            <a:endParaRPr lang="en-US">
+              <a:effectLst/>
+            </a:endParaRPr>
+          </a:p>
+          <a:p>
+            <a:pPr marL="36900" indent="0">
+              <a:buNone/>
+            </a:pPr>
+            <a:endParaRPr lang="en-US">
+              <a:effectLst/>
+            </a:endParaRPr>
+          </a:p>
+          <a:p>
+            <a:pPr marL="36900" indent="0">
+              <a:buNone/>
+            </a:pPr>
+            <a:endParaRPr lang="en-US">
+              <a:effectLst/>
+            </a:endParaRPr>
+          </a:p>
+          <a:p>
+            <a:pPr marL="36900" indent="0">
+              <a:buNone/>
+            </a:pPr>
+            <a:endParaRPr lang="en-US">
+              <a:effectLst/>
+            </a:endParaRPr>
+          </a:p>
+          <a:p>
+            <a:pPr marL="36900" indent="0" fontAlgn="base">
+              <a:buNone/>
+            </a:pPr>
+            <a:r>
+              <a:rPr lang="en-US" b="1">
+                <a:effectLst/>
+              </a:rPr>
+              <a:t>Explanation:</a:t>
+            </a:r>
+            <a:endParaRPr lang="en-US">
+              <a:effectLst/>
+            </a:endParaRPr>
+          </a:p>
+          <a:p>
+            <a:pPr fontAlgn="base"/>
+            <a:r>
+              <a:rPr lang="en-US">
+                <a:effectLst/>
+              </a:rPr>
+              <a:t>function fun() is defined but contains the pass statement, meaning it does nothing when called.</a:t>
+            </a:r>
+          </a:p>
+          <a:p>
+            <a:pPr fontAlgn="base"/>
+            <a:r>
+              <a:rPr lang="en-US">
+                <a:effectLst/>
+              </a:rPr>
+              <a:t>program continues execution without any errors and the message is printed after calling the function.</a:t>
+            </a:r>
+          </a:p>
+          <a:p>
+            <a:pPr marL="36900" indent="0">
+              <a:buNone/>
+            </a:pPr>
+            <a:endParaRPr lang="en-US">
+              <a:effectLst/>
+            </a:endParaRPr>
+          </a:p>
+          <a:p>
+            <a:pPr marL="36900" indent="0">
+              <a:buNone/>
+            </a:pPr>
+            <a:endParaRPr lang="en-IN" dirty="0"/>
+          </a:p>
+        </p:txBody>
+      </p:sp>
+      <p:pic>
+        <p:nvPicPr>
+          <p:cNvPr id="10" name="Picture 9">
+            <a:extLst>
+              <a:ext uri="{FF2B5EF4-FFF2-40B4-BE49-F238E27FC236}">
+                <a16:creationId xmlns:a16="http://schemas.microsoft.com/office/drawing/2014/main" id="{337D32E9-0784-98B4-38BE-EB1808374A5B}"/>
+              </a:ext>
+            </a:extLst>
+          </p:cNvPr>
+          <p:cNvPicPr>
+            <a:picLocks noChangeAspect="1"/>
+          </p:cNvPicPr>
+          <p:nvPr/>
+        </p:nvPicPr>
+        <p:blipFill>
+          <a:blip r:embed="rId3">
+            <a:extLst>
+              <a:ext uri="{28A0092B-C50C-407E-A947-70E740481C1C}">
+                <a14:useLocalDpi xmlns:a14="http://schemas.microsoft.com/office/drawing/2010/main" val="0"/>
+              </a:ext>
+            </a:extLst>
+          </a:blip>
+          <a:stretch>
+            <a:fillRect/>
+          </a:stretch>
+        </p:blipFill>
+        <p:spPr>
+          <a:xfrm>
+            <a:off x="1812287" y="1958774"/>
+            <a:ext cx="3221031" cy="1819529"/>
+          </a:xfrm>
+          <a:prstGeom prst="rect">
+            <a:avLst/>
+          </a:prstGeom>
+        </p:spPr>
+      </p:pic>
+    </p:spTree>
+    <p:extLst>
+      <p:ext uri="{BB962C8B-B14F-4D97-AF65-F5344CB8AC3E}">
+        <p14:creationId xmlns:p14="http://schemas.microsoft.com/office/powerpoint/2010/main" val="2404100356"/>
+      </p:ext>
+    </p:extLst>
+  </p:cSld>
+  <p:clrMapOvr>
+    <a:masterClrMapping/>
+  </p:clrMapOvr>
+</p:sld>
+</file>
+
+<file path=ppt/slides/slide45.xml><?xml version="1.0" encoding="utf-8"?>
+<p:sld xmlns:a="http://schemas.openxmlformats.org/drawingml/2006/main" xmlns:r="http://schemas.openxmlformats.org/officeDocument/2006/relationships" xmlns:p="http://schemas.openxmlformats.org/presentationml/2006/main">
+  <p:cSld>
+    <p:spTree>
+      <p:nvGrpSpPr>
+        <p:cNvPr id="1" name=""/>
+        <p:cNvGrpSpPr/>
+        <p:nvPr/>
+      </p:nvGrpSpPr>
+      <p:grpSpPr>
+        <a:xfrm>
+          <a:off x="0" y="0"/>
+          <a:ext cx="0" cy="0"/>
+          <a:chOff x="0" y="0"/>
+          <a:chExt cx="0" cy="0"/>
+        </a:xfrm>
+      </p:grpSpPr>
+      <p:sp>
+        <p:nvSpPr>
+          <p:cNvPr id="2" name="Title 1">
+            <a:extLst>
+              <a:ext uri="{FF2B5EF4-FFF2-40B4-BE49-F238E27FC236}">
+                <a16:creationId xmlns:a16="http://schemas.microsoft.com/office/drawing/2014/main" id="{70C9E10F-8B2A-2F9B-08A7-35D653439455}"/>
+              </a:ext>
+            </a:extLst>
+          </p:cNvPr>
+          <p:cNvSpPr>
+            <a:spLocks noGrp="1"/>
+          </p:cNvSpPr>
+          <p:nvPr>
+            <p:ph type="title"/>
+          </p:nvPr>
+        </p:nvSpPr>
+        <p:spPr>
+          <a:xfrm>
+            <a:off x="913795" y="609600"/>
+            <a:ext cx="10353762" cy="795867"/>
+          </a:xfrm>
+        </p:spPr>
+        <p:txBody>
+          <a:bodyPr>
+            <a:normAutofit/>
+          </a:bodyPr>
+          <a:lstStyle/>
+          <a:p>
+            <a:pPr algn="l"/>
+            <a:r>
+              <a:rPr lang="en-US" sz="3600" dirty="0"/>
+              <a:t>Return Statement in Python Function:</a:t>
+            </a:r>
+            <a:endParaRPr lang="en-IN" sz="3600" dirty="0"/>
+          </a:p>
+        </p:txBody>
+      </p:sp>
+      <p:sp>
+        <p:nvSpPr>
+          <p:cNvPr id="3" name="Content Placeholder 2">
+            <a:extLst>
+              <a:ext uri="{FF2B5EF4-FFF2-40B4-BE49-F238E27FC236}">
+                <a16:creationId xmlns:a16="http://schemas.microsoft.com/office/drawing/2014/main" id="{EE008C2B-EA0D-DD47-79EE-6A067B959767}"/>
+              </a:ext>
+            </a:extLst>
+          </p:cNvPr>
+          <p:cNvSpPr>
+            <a:spLocks noGrp="1"/>
+          </p:cNvSpPr>
+          <p:nvPr>
+            <p:ph idx="1"/>
+          </p:nvPr>
+        </p:nvSpPr>
+        <p:spPr>
+          <a:xfrm>
+            <a:off x="913795" y="1405467"/>
+            <a:ext cx="10353762" cy="4385733"/>
+          </a:xfrm>
+        </p:spPr>
+        <p:txBody>
+          <a:bodyPr>
+            <a:normAutofit/>
+          </a:bodyPr>
+          <a:lstStyle/>
+          <a:p>
+            <a:r>
+              <a:rPr lang="en-US" sz="1800" dirty="0"/>
+              <a:t>The function return statement is used to exit from a function and go back to the function caller and return the specified value or data item to the caller. The syntax for the return statement is:</a:t>
+            </a:r>
+          </a:p>
+          <a:p>
+            <a:pPr marL="36900" indent="0">
+              <a:buNone/>
+            </a:pPr>
+            <a:r>
+              <a:rPr lang="en-US" sz="1800" dirty="0"/>
+              <a:t>      return [</a:t>
+            </a:r>
+            <a:r>
+              <a:rPr lang="en-US" sz="1800" dirty="0" err="1"/>
+              <a:t>expression_list</a:t>
+            </a:r>
+            <a:r>
+              <a:rPr lang="en-US" sz="1800" dirty="0"/>
+              <a:t>]</a:t>
+            </a:r>
+          </a:p>
+          <a:p>
+            <a:r>
+              <a:rPr lang="en-US" sz="1800" dirty="0">
+                <a:effectLst/>
+              </a:rPr>
+              <a:t>The return statement can consist of a variable, an expression, or a constant which is returned at the end of the function execution. If none of the above is present with the return statement a None object is returned.</a:t>
+            </a:r>
+          </a:p>
+          <a:p>
+            <a:endParaRPr lang="en-IN" sz="1800" dirty="0"/>
+          </a:p>
+        </p:txBody>
+      </p:sp>
+      <p:pic>
+        <p:nvPicPr>
+          <p:cNvPr id="6" name="Picture 5">
+            <a:extLst>
+              <a:ext uri="{FF2B5EF4-FFF2-40B4-BE49-F238E27FC236}">
+                <a16:creationId xmlns:a16="http://schemas.microsoft.com/office/drawing/2014/main" id="{AEAE7522-AC4B-B57C-AFAE-AA4ABC4496B8}"/>
+              </a:ext>
+            </a:extLst>
+          </p:cNvPr>
+          <p:cNvPicPr>
+            <a:picLocks noChangeAspect="1"/>
+          </p:cNvPicPr>
+          <p:nvPr/>
+        </p:nvPicPr>
+        <p:blipFill>
+          <a:blip r:embed="rId2"/>
+          <a:stretch>
+            <a:fillRect/>
+          </a:stretch>
+        </p:blipFill>
+        <p:spPr>
+          <a:xfrm>
+            <a:off x="2619102" y="3429000"/>
+            <a:ext cx="4306631" cy="2819400"/>
+          </a:xfrm>
+          <a:prstGeom prst="rect">
+            <a:avLst/>
+          </a:prstGeom>
+        </p:spPr>
+      </p:pic>
+    </p:spTree>
+    <p:extLst>
+      <p:ext uri="{BB962C8B-B14F-4D97-AF65-F5344CB8AC3E}">
+        <p14:creationId xmlns:p14="http://schemas.microsoft.com/office/powerpoint/2010/main" val="69210075"/>
+      </p:ext>
+    </p:extLst>
+  </p:cSld>
+  <p:clrMapOvr>
+    <a:masterClrMapping/>
+  </p:clrMapOvr>
+</p:sld>
+</file>
+
+<file path=ppt/slides/slide46.xml><?xml version="1.0" encoding="utf-8"?>
+<p:sld xmlns:a="http://schemas.openxmlformats.org/drawingml/2006/main" xmlns:r="http://schemas.openxmlformats.org/officeDocument/2006/relationships" xmlns:p="http://schemas.openxmlformats.org/presentationml/2006/main">
+  <p:cSld>
+    <p:spTree>
+      <p:nvGrpSpPr>
+        <p:cNvPr id="1" name=""/>
+        <p:cNvGrpSpPr/>
+        <p:nvPr/>
+      </p:nvGrpSpPr>
+      <p:grpSpPr>
+        <a:xfrm>
+          <a:off x="0" y="0"/>
+          <a:ext cx="0" cy="0"/>
+          <a:chOff x="0" y="0"/>
+          <a:chExt cx="0" cy="0"/>
+        </a:xfrm>
+      </p:grpSpPr>
+      <p:sp>
+        <p:nvSpPr>
+          <p:cNvPr id="2" name="Title 1">
+            <a:extLst>
+              <a:ext uri="{FF2B5EF4-FFF2-40B4-BE49-F238E27FC236}">
+                <a16:creationId xmlns:a16="http://schemas.microsoft.com/office/drawing/2014/main" id="{46E88A55-7D94-4924-7734-27FDF852C2D2}"/>
+              </a:ext>
+            </a:extLst>
+          </p:cNvPr>
+          <p:cNvSpPr>
+            <a:spLocks noGrp="1"/>
+          </p:cNvSpPr>
+          <p:nvPr>
+            <p:ph type="title"/>
+          </p:nvPr>
+        </p:nvSpPr>
+        <p:spPr>
+          <a:xfrm>
+            <a:off x="913795" y="609600"/>
+            <a:ext cx="10353762" cy="812800"/>
+          </a:xfrm>
+        </p:spPr>
+        <p:txBody>
+          <a:bodyPr>
+            <a:normAutofit fontScale="90000"/>
+          </a:bodyPr>
+          <a:lstStyle/>
+          <a:p>
+            <a:pPr algn="l" fontAlgn="base"/>
+            <a:br>
+              <a:rPr lang="en-IN" b="1" dirty="0">
+                <a:effectLst/>
+              </a:rPr>
+            </a:br>
+            <a:br>
+              <a:rPr lang="en-IN" b="1" dirty="0">
+                <a:effectLst/>
+              </a:rPr>
+            </a:br>
+            <a:r>
+              <a:rPr lang="en-IN" b="1" dirty="0">
+                <a:effectLst/>
+              </a:rPr>
+              <a:t>Python Lambda Functions:</a:t>
+            </a:r>
+            <a:br>
+              <a:rPr lang="en-IN" b="1" dirty="0">
+                <a:effectLst/>
+              </a:rPr>
+            </a:br>
+            <a:br>
+              <a:rPr lang="en-IN" dirty="0">
+                <a:effectLst/>
+              </a:rPr>
+            </a:br>
+            <a:endParaRPr lang="en-IN" dirty="0"/>
+          </a:p>
+        </p:txBody>
+      </p:sp>
+      <p:sp>
+        <p:nvSpPr>
+          <p:cNvPr id="3" name="Content Placeholder 2">
+            <a:extLst>
+              <a:ext uri="{FF2B5EF4-FFF2-40B4-BE49-F238E27FC236}">
+                <a16:creationId xmlns:a16="http://schemas.microsoft.com/office/drawing/2014/main" id="{D71C5ECD-1210-F950-2EB0-F10DAC07D007}"/>
+              </a:ext>
+            </a:extLst>
+          </p:cNvPr>
+          <p:cNvSpPr>
+            <a:spLocks noGrp="1"/>
+          </p:cNvSpPr>
+          <p:nvPr>
+            <p:ph idx="1"/>
+          </p:nvPr>
+        </p:nvSpPr>
+        <p:spPr>
+          <a:xfrm>
+            <a:off x="913795" y="1422399"/>
+            <a:ext cx="10353762" cy="4368801"/>
+          </a:xfrm>
+        </p:spPr>
+        <p:txBody>
+          <a:bodyPr>
+            <a:normAutofit fontScale="92500" lnSpcReduction="20000"/>
+          </a:bodyPr>
+          <a:lstStyle/>
+          <a:p>
+            <a:pPr marL="36900" indent="0" algn="just" fontAlgn="base">
+              <a:buNone/>
+            </a:pPr>
+            <a:r>
+              <a:rPr lang="en-US" sz="1900" b="1" dirty="0">
+                <a:effectLst/>
+              </a:rPr>
+              <a:t>Python Lambda Functions</a:t>
+            </a:r>
+            <a:r>
+              <a:rPr lang="en-US" sz="1900" dirty="0">
+                <a:effectLst/>
+              </a:rPr>
+              <a:t> are anonymous functions means that the function is without a name. As we already know the </a:t>
+            </a:r>
+            <a:r>
+              <a:rPr lang="en-US" sz="1900" i="1" dirty="0">
+                <a:effectLst/>
+              </a:rPr>
+              <a:t>def</a:t>
+            </a:r>
+            <a:r>
+              <a:rPr lang="en-US" sz="1900" dirty="0">
+                <a:effectLst/>
+              </a:rPr>
+              <a:t> keyword is used to define a normal function in Python. Similarly, the </a:t>
+            </a:r>
+            <a:r>
+              <a:rPr lang="en-US" sz="1900" i="1" dirty="0">
+                <a:effectLst/>
+              </a:rPr>
+              <a:t>lambda</a:t>
+            </a:r>
+            <a:r>
+              <a:rPr lang="en-US" sz="1900" dirty="0">
+                <a:effectLst/>
+              </a:rPr>
+              <a:t> keyword is used to define an anonymous function in </a:t>
+            </a:r>
+            <a:r>
+              <a:rPr lang="en-US" sz="1900" u="sng" dirty="0">
+                <a:effectLst/>
+                <a:hlinkClick r:id="rId2"/>
+              </a:rPr>
+              <a:t>Python</a:t>
+            </a:r>
+            <a:r>
+              <a:rPr lang="en-US" sz="1900" dirty="0">
+                <a:effectLst/>
+              </a:rPr>
+              <a:t>. </a:t>
+            </a:r>
+          </a:p>
+          <a:p>
+            <a:pPr marL="36900" indent="0" algn="just" fontAlgn="base">
+              <a:buNone/>
+            </a:pPr>
+            <a:endParaRPr lang="en-US" sz="1900" b="1" dirty="0">
+              <a:effectLst/>
+            </a:endParaRPr>
+          </a:p>
+          <a:p>
+            <a:pPr marL="36900" indent="0" algn="just" fontAlgn="base">
+              <a:buNone/>
+            </a:pPr>
+            <a:endParaRPr lang="en-US" sz="1800" b="1" dirty="0">
+              <a:effectLst/>
+            </a:endParaRPr>
+          </a:p>
+          <a:p>
+            <a:pPr marL="36900" indent="0" algn="just" fontAlgn="base">
+              <a:buNone/>
+            </a:pPr>
+            <a:endParaRPr lang="en-US" sz="1800" b="1" dirty="0">
+              <a:effectLst/>
+            </a:endParaRPr>
+          </a:p>
+          <a:p>
+            <a:pPr marL="36900" indent="0" algn="just" fontAlgn="base">
+              <a:buNone/>
+            </a:pPr>
+            <a:endParaRPr lang="en-US" sz="1800" b="1" dirty="0">
+              <a:effectLst/>
+            </a:endParaRPr>
+          </a:p>
+          <a:p>
+            <a:pPr marL="36900" indent="0" algn="just" fontAlgn="base">
+              <a:buNone/>
+            </a:pPr>
+            <a:endParaRPr lang="en-US" sz="1800" b="1" dirty="0">
+              <a:effectLst/>
+            </a:endParaRPr>
+          </a:p>
+          <a:p>
+            <a:pPr marL="36900" indent="0" algn="just" fontAlgn="base">
+              <a:buNone/>
+            </a:pPr>
+            <a:r>
+              <a:rPr lang="en-US" sz="2600" b="1" dirty="0">
+                <a:effectLst/>
+              </a:rPr>
+              <a:t>Python Lambda Function Syntax:</a:t>
+            </a:r>
+          </a:p>
+          <a:p>
+            <a:pPr marL="36900" indent="0" algn="just" fontAlgn="base">
+              <a:buNone/>
+            </a:pPr>
+            <a:r>
+              <a:rPr lang="en-US" sz="1900" b="1" dirty="0">
+                <a:effectLst/>
+              </a:rPr>
+              <a:t>Syntax: lambda arguments : expression</a:t>
+            </a:r>
+          </a:p>
+          <a:p>
+            <a:pPr marL="36900" indent="0" algn="just" fontAlgn="base">
+              <a:buNone/>
+            </a:pPr>
+            <a:r>
+              <a:rPr lang="en-US" sz="1900" b="1" dirty="0">
+                <a:effectLst/>
+              </a:rPr>
+              <a:t>lambda: The keyword to define the function.</a:t>
+            </a:r>
+          </a:p>
+          <a:p>
+            <a:pPr marL="36900" indent="0" algn="just" fontAlgn="base">
+              <a:buNone/>
+            </a:pPr>
+            <a:r>
+              <a:rPr lang="en-US" sz="1900" b="1" dirty="0">
+                <a:effectLst/>
+              </a:rPr>
+              <a:t>arguments: A comma-separated list of input parameters (like in a regular function).</a:t>
+            </a:r>
+          </a:p>
+          <a:p>
+            <a:pPr marL="36900" indent="0" algn="just" fontAlgn="base">
+              <a:buNone/>
+            </a:pPr>
+            <a:r>
+              <a:rPr lang="en-US" sz="1900" b="1" dirty="0">
+                <a:effectLst/>
+              </a:rPr>
+              <a:t>expression: A single expression that is evaluated and returned.</a:t>
+            </a:r>
+            <a:endParaRPr lang="en-IN" sz="1900" dirty="0"/>
+          </a:p>
+        </p:txBody>
+      </p:sp>
+      <p:pic>
+        <p:nvPicPr>
+          <p:cNvPr id="5" name="Picture 4">
+            <a:extLst>
+              <a:ext uri="{FF2B5EF4-FFF2-40B4-BE49-F238E27FC236}">
+                <a16:creationId xmlns:a16="http://schemas.microsoft.com/office/drawing/2014/main" id="{A2D76425-2138-271B-3F09-A1C83A8D94F7}"/>
+              </a:ext>
+            </a:extLst>
+          </p:cNvPr>
+          <p:cNvPicPr>
+            <a:picLocks noChangeAspect="1"/>
+          </p:cNvPicPr>
+          <p:nvPr/>
+        </p:nvPicPr>
+        <p:blipFill>
+          <a:blip r:embed="rId3">
+            <a:extLst>
+              <a:ext uri="{28A0092B-C50C-407E-A947-70E740481C1C}">
+                <a14:useLocalDpi xmlns:a14="http://schemas.microsoft.com/office/drawing/2010/main" val="0"/>
+              </a:ext>
+            </a:extLst>
+          </a:blip>
+          <a:stretch>
+            <a:fillRect/>
+          </a:stretch>
+        </p:blipFill>
+        <p:spPr>
+          <a:xfrm>
+            <a:off x="1523421" y="2235199"/>
+            <a:ext cx="3791479" cy="1609950"/>
+          </a:xfrm>
+          <a:prstGeom prst="rect">
+            <a:avLst/>
+          </a:prstGeom>
+        </p:spPr>
+      </p:pic>
+    </p:spTree>
+    <p:extLst>
+      <p:ext uri="{BB962C8B-B14F-4D97-AF65-F5344CB8AC3E}">
+        <p14:creationId xmlns:p14="http://schemas.microsoft.com/office/powerpoint/2010/main" val="3543902882"/>
+      </p:ext>
+    </p:extLst>
+  </p:cSld>
+  <p:clrMapOvr>
+    <a:masterClrMapping/>
+  </p:clrMapOvr>
+</p:sld>
+</file>
+
+<file path=ppt/slides/slide47.xml><?xml version="1.0" encoding="utf-8"?>
+<p:sld xmlns:a="http://schemas.openxmlformats.org/drawingml/2006/main" xmlns:r="http://schemas.openxmlformats.org/officeDocument/2006/relationships" xmlns:p="http://schemas.openxmlformats.org/presentationml/2006/main">
+  <p:cSld>
+    <p:spTree>
+      <p:nvGrpSpPr>
+        <p:cNvPr id="1" name=""/>
+        <p:cNvGrpSpPr/>
+        <p:nvPr/>
+      </p:nvGrpSpPr>
+      <p:grpSpPr>
+        <a:xfrm>
+          <a:off x="0" y="0"/>
+          <a:ext cx="0" cy="0"/>
+          <a:chOff x="0" y="0"/>
+          <a:chExt cx="0" cy="0"/>
+        </a:xfrm>
+      </p:grpSpPr>
+      <p:sp>
+        <p:nvSpPr>
+          <p:cNvPr id="2" name="Title 1">
+            <a:extLst>
+              <a:ext uri="{FF2B5EF4-FFF2-40B4-BE49-F238E27FC236}">
+                <a16:creationId xmlns:a16="http://schemas.microsoft.com/office/drawing/2014/main" id="{F5A0A998-10F4-0DF5-B55D-D4699FF6D5FC}"/>
+              </a:ext>
+            </a:extLst>
+          </p:cNvPr>
+          <p:cNvSpPr>
+            <a:spLocks noGrp="1"/>
+          </p:cNvSpPr>
+          <p:nvPr>
+            <p:ph type="title"/>
+          </p:nvPr>
+        </p:nvSpPr>
+        <p:spPr>
+          <a:xfrm>
+            <a:off x="913795" y="609600"/>
+            <a:ext cx="10353762" cy="829733"/>
+          </a:xfrm>
+        </p:spPr>
+        <p:txBody>
+          <a:bodyPr>
+            <a:normAutofit/>
+          </a:bodyPr>
+          <a:lstStyle/>
+          <a:p>
+            <a:pPr algn="l"/>
+            <a:r>
+              <a:rPr lang="en-IN" sz="3600" dirty="0"/>
+              <a:t>Recursion in Python:</a:t>
+            </a:r>
+          </a:p>
+        </p:txBody>
+      </p:sp>
+      <p:sp>
+        <p:nvSpPr>
+          <p:cNvPr id="3" name="Content Placeholder 2">
+            <a:extLst>
+              <a:ext uri="{FF2B5EF4-FFF2-40B4-BE49-F238E27FC236}">
+                <a16:creationId xmlns:a16="http://schemas.microsoft.com/office/drawing/2014/main" id="{BA23DD10-373A-A3B9-8464-E75503CEAD60}"/>
+              </a:ext>
+            </a:extLst>
+          </p:cNvPr>
+          <p:cNvSpPr>
+            <a:spLocks noGrp="1"/>
+          </p:cNvSpPr>
+          <p:nvPr>
+            <p:ph idx="1"/>
+          </p:nvPr>
+        </p:nvSpPr>
+        <p:spPr>
+          <a:xfrm>
+            <a:off x="913795" y="1439333"/>
+            <a:ext cx="10353762" cy="4351867"/>
+          </a:xfrm>
+        </p:spPr>
+        <p:txBody>
+          <a:bodyPr/>
+          <a:lstStyle/>
+          <a:p>
+            <a:pPr fontAlgn="base"/>
+            <a:r>
+              <a:rPr lang="en-US" sz="1800" dirty="0">
+                <a:effectLst/>
+              </a:rPr>
+              <a:t>Recursion involves a function calling itself directly or indirectly to solve a problem by breaking it down into simpler and more manageable parts. </a:t>
+            </a:r>
+            <a:r>
+              <a:rPr lang="en-US" sz="1800" b="1" dirty="0">
+                <a:effectLst/>
+              </a:rPr>
+              <a:t>Recursion </a:t>
+            </a:r>
+            <a:r>
+              <a:rPr lang="en-US" sz="1800" dirty="0">
+                <a:effectLst/>
+              </a:rPr>
+              <a:t>in Python refers to when a function calls itself. There are many instances when you have to build a recursive function to solve </a:t>
+            </a:r>
+            <a:r>
+              <a:rPr lang="en-US" sz="1800" b="1" dirty="0">
+                <a:effectLst/>
+              </a:rPr>
+              <a:t>Mathematical and Recursive Problems.</a:t>
+            </a:r>
+            <a:endParaRPr lang="en-US" sz="1800" dirty="0">
+              <a:effectLst/>
+            </a:endParaRPr>
+          </a:p>
+          <a:p>
+            <a:pPr fontAlgn="base"/>
+            <a:r>
+              <a:rPr lang="en-US" sz="1800" dirty="0">
+                <a:effectLst/>
+              </a:rPr>
+              <a:t>Using a recursive function should be done with caution, as a recursive function can become like a non-terminating loop. It is better to check your exit statement while creating a recursive function.</a:t>
+            </a:r>
+          </a:p>
+          <a:p>
+            <a:pPr marL="36900" indent="0">
+              <a:buNone/>
+            </a:pPr>
+            <a:endParaRPr lang="en-IN" dirty="0"/>
+          </a:p>
+        </p:txBody>
+      </p:sp>
+      <p:pic>
+        <p:nvPicPr>
+          <p:cNvPr id="5" name="Picture 4">
+            <a:extLst>
+              <a:ext uri="{FF2B5EF4-FFF2-40B4-BE49-F238E27FC236}">
+                <a16:creationId xmlns:a16="http://schemas.microsoft.com/office/drawing/2014/main" id="{201AFD19-DD8B-F990-940E-48180AA0FBA5}"/>
+              </a:ext>
+            </a:extLst>
+          </p:cNvPr>
+          <p:cNvPicPr>
+            <a:picLocks noChangeAspect="1"/>
+          </p:cNvPicPr>
+          <p:nvPr/>
+        </p:nvPicPr>
+        <p:blipFill>
+          <a:blip r:embed="rId2"/>
+          <a:stretch>
+            <a:fillRect/>
+          </a:stretch>
+        </p:blipFill>
+        <p:spPr>
+          <a:xfrm>
+            <a:off x="1499906" y="3429000"/>
+            <a:ext cx="4460627" cy="2362200"/>
+          </a:xfrm>
+          <a:prstGeom prst="rect">
+            <a:avLst/>
+          </a:prstGeom>
+        </p:spPr>
+      </p:pic>
+    </p:spTree>
+    <p:extLst>
+      <p:ext uri="{BB962C8B-B14F-4D97-AF65-F5344CB8AC3E}">
+        <p14:creationId xmlns:p14="http://schemas.microsoft.com/office/powerpoint/2010/main" val="1681962064"/>
+      </p:ext>
+    </p:extLst>
+  </p:cSld>
+  <p:clrMapOvr>
+    <a:masterClrMapping/>
+  </p:clrMapOvr>
+</p:sld>
+</file>
+
+<file path=ppt/slides/slide48.xml><?xml version="1.0" encoding="utf-8"?>
+<p:sld xmlns:a="http://schemas.openxmlformats.org/drawingml/2006/main" xmlns:r="http://schemas.openxmlformats.org/officeDocument/2006/relationships" xmlns:p="http://schemas.openxmlformats.org/presentationml/2006/main">
+  <p:cSld>
+    <p:spTree>
+      <p:nvGrpSpPr>
+        <p:cNvPr id="1" name=""/>
+        <p:cNvGrpSpPr/>
+        <p:nvPr/>
+      </p:nvGrpSpPr>
+      <p:grpSpPr>
+        <a:xfrm>
+          <a:off x="0" y="0"/>
+          <a:ext cx="0" cy="0"/>
+          <a:chOff x="0" y="0"/>
+          <a:chExt cx="0" cy="0"/>
+        </a:xfrm>
+      </p:grpSpPr>
+      <p:sp>
+        <p:nvSpPr>
+          <p:cNvPr id="2" name="Title 1">
+            <a:extLst>
+              <a:ext uri="{FF2B5EF4-FFF2-40B4-BE49-F238E27FC236}">
+                <a16:creationId xmlns:a16="http://schemas.microsoft.com/office/drawing/2014/main" id="{B1265A19-4EB7-4604-7021-435425C25340}"/>
+              </a:ext>
+            </a:extLst>
+          </p:cNvPr>
+          <p:cNvSpPr>
+            <a:spLocks noGrp="1"/>
+          </p:cNvSpPr>
+          <p:nvPr>
+            <p:ph type="title"/>
+          </p:nvPr>
+        </p:nvSpPr>
+        <p:spPr>
+          <a:xfrm>
+            <a:off x="913795" y="609600"/>
+            <a:ext cx="10353762" cy="745067"/>
+          </a:xfrm>
+        </p:spPr>
+        <p:txBody>
+          <a:bodyPr>
+            <a:normAutofit/>
+          </a:bodyPr>
+          <a:lstStyle/>
+          <a:p>
+            <a:pPr algn="l"/>
+            <a:r>
+              <a:rPr lang="en-US" sz="3600" dirty="0"/>
+              <a:t>Why Python Uses 'Self' as Default Argument?</a:t>
+            </a:r>
+            <a:endParaRPr lang="en-IN" sz="3600" dirty="0"/>
+          </a:p>
+        </p:txBody>
+      </p:sp>
+      <p:sp>
+        <p:nvSpPr>
+          <p:cNvPr id="3" name="Content Placeholder 2">
+            <a:extLst>
+              <a:ext uri="{FF2B5EF4-FFF2-40B4-BE49-F238E27FC236}">
+                <a16:creationId xmlns:a16="http://schemas.microsoft.com/office/drawing/2014/main" id="{1951FB4D-B8F4-DA50-804D-190C2A5DED0B}"/>
+              </a:ext>
+            </a:extLst>
+          </p:cNvPr>
+          <p:cNvSpPr>
+            <a:spLocks noGrp="1"/>
+          </p:cNvSpPr>
+          <p:nvPr>
+            <p:ph idx="1"/>
+          </p:nvPr>
+        </p:nvSpPr>
+        <p:spPr>
+          <a:xfrm>
+            <a:off x="913795" y="1354667"/>
+            <a:ext cx="10353762" cy="4436533"/>
+          </a:xfrm>
+        </p:spPr>
+        <p:txBody>
+          <a:bodyPr>
+            <a:normAutofit/>
+          </a:bodyPr>
+          <a:lstStyle/>
+          <a:p>
+            <a:pPr marL="36900" indent="0">
+              <a:buNone/>
+            </a:pPr>
+            <a:r>
+              <a:rPr lang="en-US" sz="1800" dirty="0">
+                <a:effectLst/>
+              </a:rPr>
+              <a:t>In Python, when defining methods within a class, the first parameter is always self. The parameter self is a convention not a keyword and it plays a key role in </a:t>
+            </a:r>
+            <a:r>
+              <a:rPr lang="en-US" sz="1800" u="sng" dirty="0">
+                <a:effectLst/>
+                <a:hlinkClick r:id="rId2"/>
+              </a:rPr>
+              <a:t>Python</a:t>
+            </a:r>
+            <a:r>
+              <a:rPr lang="en-US" sz="1800" dirty="0">
+                <a:effectLst/>
+              </a:rPr>
+              <a:t>’s object-oriented structure.</a:t>
+            </a:r>
+          </a:p>
+          <a:p>
+            <a:pPr marL="36900" indent="0">
+              <a:buNone/>
+            </a:pPr>
+            <a:endParaRPr lang="en-IN" sz="1800" dirty="0"/>
+          </a:p>
+        </p:txBody>
+      </p:sp>
+      <p:pic>
+        <p:nvPicPr>
+          <p:cNvPr id="5" name="Picture 4">
+            <a:extLst>
+              <a:ext uri="{FF2B5EF4-FFF2-40B4-BE49-F238E27FC236}">
+                <a16:creationId xmlns:a16="http://schemas.microsoft.com/office/drawing/2014/main" id="{7D3E5DC5-3D50-3AB2-E2F0-838C2E09AB19}"/>
+              </a:ext>
+            </a:extLst>
+          </p:cNvPr>
+          <p:cNvPicPr>
+            <a:picLocks noChangeAspect="1"/>
+          </p:cNvPicPr>
+          <p:nvPr/>
+        </p:nvPicPr>
+        <p:blipFill>
+          <a:blip r:embed="rId3">
+            <a:extLst>
+              <a:ext uri="{28A0092B-C50C-407E-A947-70E740481C1C}">
+                <a14:useLocalDpi xmlns:a14="http://schemas.microsoft.com/office/drawing/2010/main" val="0"/>
+              </a:ext>
+            </a:extLst>
+          </a:blip>
+          <a:stretch>
+            <a:fillRect/>
+          </a:stretch>
+        </p:blipFill>
+        <p:spPr>
+          <a:xfrm>
+            <a:off x="1142584" y="2085394"/>
+            <a:ext cx="5969415" cy="4163006"/>
+          </a:xfrm>
+          <a:prstGeom prst="rect">
+            <a:avLst/>
+          </a:prstGeom>
+        </p:spPr>
+      </p:pic>
+    </p:spTree>
+    <p:extLst>
+      <p:ext uri="{BB962C8B-B14F-4D97-AF65-F5344CB8AC3E}">
+        <p14:creationId xmlns:p14="http://schemas.microsoft.com/office/powerpoint/2010/main" val="1931866511"/>
+      </p:ext>
+    </p:extLst>
+  </p:cSld>
+  <p:clrMapOvr>
+    <a:masterClrMapping/>
+  </p:clrMapOvr>
+</p:sld>
+</file>
+
+<file path=ppt/slides/slide49.xml><?xml version="1.0" encoding="utf-8"?>
+<p:sld xmlns:a="http://schemas.openxmlformats.org/drawingml/2006/main" xmlns:r="http://schemas.openxmlformats.org/officeDocument/2006/relationships" xmlns:p="http://schemas.openxmlformats.org/presentationml/2006/main">
+  <p:cSld>
+    <p:spTree>
+      <p:nvGrpSpPr>
+        <p:cNvPr id="1" name=""/>
+        <p:cNvGrpSpPr/>
+        <p:nvPr/>
+      </p:nvGrpSpPr>
+      <p:grpSpPr>
+        <a:xfrm>
+          <a:off x="0" y="0"/>
+          <a:ext cx="0" cy="0"/>
+          <a:chOff x="0" y="0"/>
+          <a:chExt cx="0" cy="0"/>
+        </a:xfrm>
+      </p:grpSpPr>
+      <p:sp>
+        <p:nvSpPr>
+          <p:cNvPr id="2" name="Title 1">
+            <a:extLst>
+              <a:ext uri="{FF2B5EF4-FFF2-40B4-BE49-F238E27FC236}">
+                <a16:creationId xmlns:a16="http://schemas.microsoft.com/office/drawing/2014/main" id="{65E9956B-72B9-86F4-1DDF-23B43ED9B3D0}"/>
+              </a:ext>
+            </a:extLst>
+          </p:cNvPr>
+          <p:cNvSpPr>
+            <a:spLocks noGrp="1"/>
+          </p:cNvSpPr>
+          <p:nvPr>
+            <p:ph type="title"/>
+          </p:nvPr>
+        </p:nvSpPr>
+        <p:spPr>
+          <a:xfrm>
+            <a:off x="913795" y="609600"/>
+            <a:ext cx="10353762" cy="728133"/>
+          </a:xfrm>
+        </p:spPr>
+        <p:txBody>
+          <a:bodyPr>
+            <a:normAutofit/>
+          </a:bodyPr>
+          <a:lstStyle/>
+          <a:p>
+            <a:pPr algn="l"/>
+            <a:r>
+              <a:rPr lang="en-US" sz="3600" b="1" dirty="0"/>
+              <a:t>Map, Reduce and Filter Function in Python:</a:t>
+            </a:r>
+            <a:endParaRPr lang="en-IN" sz="3600" b="1" dirty="0"/>
+          </a:p>
+        </p:txBody>
+      </p:sp>
+      <p:sp>
+        <p:nvSpPr>
+          <p:cNvPr id="3" name="Content Placeholder 2">
+            <a:extLst>
+              <a:ext uri="{FF2B5EF4-FFF2-40B4-BE49-F238E27FC236}">
+                <a16:creationId xmlns:a16="http://schemas.microsoft.com/office/drawing/2014/main" id="{C11B237F-786C-D6D5-4FD6-CDB8AC64700A}"/>
+              </a:ext>
+            </a:extLst>
+          </p:cNvPr>
+          <p:cNvSpPr>
+            <a:spLocks noGrp="1"/>
+          </p:cNvSpPr>
+          <p:nvPr>
+            <p:ph idx="1"/>
+          </p:nvPr>
+        </p:nvSpPr>
+        <p:spPr>
+          <a:xfrm>
+            <a:off x="913795" y="1337733"/>
+            <a:ext cx="6351978" cy="4453467"/>
+          </a:xfrm>
+        </p:spPr>
+        <p:txBody>
+          <a:bodyPr>
+            <a:normAutofit lnSpcReduction="10000"/>
+          </a:bodyPr>
+          <a:lstStyle/>
+          <a:p>
+            <a:pPr marL="36900" indent="0">
+              <a:buNone/>
+            </a:pPr>
+            <a:r>
+              <a:rPr lang="en-US" sz="2400" dirty="0"/>
+              <a:t>Map() Function:</a:t>
+            </a:r>
+          </a:p>
+          <a:p>
+            <a:pPr marL="36900" indent="0" algn="just">
+              <a:buNone/>
+            </a:pPr>
+            <a:r>
+              <a:rPr lang="en-US" sz="1800" dirty="0">
+                <a:effectLst/>
+              </a:rPr>
+              <a:t>The</a:t>
+            </a:r>
+            <a:r>
+              <a:rPr lang="en-US" sz="1800" b="1" dirty="0">
+                <a:effectLst/>
+              </a:rPr>
+              <a:t> map() function</a:t>
+            </a:r>
+            <a:r>
+              <a:rPr lang="en-US" sz="1800" dirty="0">
+                <a:effectLst/>
+              </a:rPr>
+              <a:t> is used to apply a given function to every item of an </a:t>
+            </a:r>
+            <a:r>
+              <a:rPr lang="en-US" sz="1800" b="1" dirty="0" err="1">
+                <a:effectLst/>
+              </a:rPr>
+              <a:t>iterable</a:t>
+            </a:r>
+            <a:r>
+              <a:rPr lang="en-US" sz="1800" dirty="0">
+                <a:effectLst/>
+              </a:rPr>
+              <a:t>, such as a </a:t>
+            </a:r>
+            <a:r>
+              <a:rPr lang="en-US" sz="1800" u="sng" dirty="0">
+                <a:effectLst/>
+                <a:hlinkClick r:id="rId2"/>
+              </a:rPr>
+              <a:t>list</a:t>
+            </a:r>
+            <a:r>
+              <a:rPr lang="en-US" sz="1800" dirty="0">
+                <a:effectLst/>
+              </a:rPr>
+              <a:t> or </a:t>
+            </a:r>
+            <a:r>
+              <a:rPr lang="en-US" sz="1800" u="sng" dirty="0">
+                <a:effectLst/>
+                <a:hlinkClick r:id="rId3"/>
+              </a:rPr>
+              <a:t>tuple</a:t>
+            </a:r>
+            <a:r>
+              <a:rPr lang="en-US" sz="1800" dirty="0">
+                <a:effectLst/>
+              </a:rPr>
+              <a:t>, and returns a </a:t>
+            </a:r>
+            <a:r>
+              <a:rPr lang="en-US" sz="1800" b="1" dirty="0">
+                <a:effectLst/>
+              </a:rPr>
+              <a:t>map object</a:t>
+            </a:r>
+            <a:r>
+              <a:rPr lang="en-US" sz="1800" dirty="0">
+                <a:effectLst/>
+              </a:rPr>
+              <a:t> (which is an iterator). Let's start with a simple example of using</a:t>
+            </a:r>
+            <a:r>
+              <a:rPr lang="en-US" sz="1800" b="1" dirty="0">
+                <a:effectLst/>
+              </a:rPr>
+              <a:t> map()</a:t>
+            </a:r>
+            <a:r>
+              <a:rPr lang="en-US" sz="1800" dirty="0">
+                <a:effectLst/>
+              </a:rPr>
+              <a:t> to convert a list of strings into a list of integers.</a:t>
+            </a:r>
+          </a:p>
+          <a:p>
+            <a:pPr marL="36900" indent="0" algn="just">
+              <a:buNone/>
+            </a:pPr>
+            <a:endParaRPr lang="en-US" sz="1800" dirty="0">
+              <a:effectLst/>
+            </a:endParaRPr>
+          </a:p>
+          <a:p>
+            <a:pPr marL="36900" indent="0" algn="just">
+              <a:buNone/>
+            </a:pPr>
+            <a:endParaRPr lang="en-US" sz="1800" dirty="0">
+              <a:effectLst/>
+            </a:endParaRPr>
+          </a:p>
+          <a:p>
+            <a:pPr marL="36900" indent="0" algn="just">
+              <a:buNone/>
+            </a:pPr>
+            <a:endParaRPr lang="en-US" sz="1800" dirty="0">
+              <a:effectLst/>
+            </a:endParaRPr>
+          </a:p>
+          <a:p>
+            <a:pPr marL="36900" indent="0" algn="just">
+              <a:buNone/>
+            </a:pPr>
+            <a:r>
+              <a:rPr lang="en-US" sz="2400" dirty="0">
+                <a:effectLst/>
+              </a:rPr>
+              <a:t>Reduce() Function: </a:t>
+            </a:r>
+          </a:p>
+          <a:p>
+            <a:pPr marL="36900" indent="0" algn="just">
+              <a:buNone/>
+            </a:pPr>
+            <a:r>
+              <a:rPr lang="en-US" sz="1800" dirty="0">
+                <a:effectLst/>
+              </a:rPr>
+              <a:t>The </a:t>
+            </a:r>
+            <a:r>
+              <a:rPr lang="en-US" sz="1800" b="1" dirty="0">
+                <a:effectLst/>
+              </a:rPr>
+              <a:t>reduce(</a:t>
+            </a:r>
+            <a:r>
+              <a:rPr lang="en-US" sz="1800" b="1" dirty="0" err="1">
+                <a:effectLst/>
+              </a:rPr>
+              <a:t>fun,seq</a:t>
+            </a:r>
+            <a:r>
+              <a:rPr lang="en-US" sz="1800" b="1" dirty="0">
+                <a:effectLst/>
+              </a:rPr>
+              <a:t>)</a:t>
+            </a:r>
+            <a:r>
+              <a:rPr lang="en-US" sz="1800" dirty="0">
+                <a:effectLst/>
+              </a:rPr>
+              <a:t> function is used to</a:t>
+            </a:r>
+            <a:r>
+              <a:rPr lang="en-US" sz="1800" b="1" dirty="0">
+                <a:effectLst/>
+              </a:rPr>
+              <a:t> apply a particular function passed in its argument to all of the list elements</a:t>
+            </a:r>
+            <a:r>
+              <a:rPr lang="en-US" sz="1800" dirty="0">
+                <a:effectLst/>
+              </a:rPr>
+              <a:t> mentioned in the sequence passed along. This function is defined in "</a:t>
+            </a:r>
+            <a:r>
+              <a:rPr lang="en-US" sz="1800" b="1" u="sng" dirty="0" err="1">
+                <a:effectLst/>
+                <a:hlinkClick r:id="rId4"/>
+              </a:rPr>
+              <a:t>functools</a:t>
+            </a:r>
+            <a:r>
+              <a:rPr lang="en-US" sz="1800" dirty="0">
+                <a:effectLst/>
+              </a:rPr>
+              <a:t>" module.</a:t>
+            </a:r>
+          </a:p>
+          <a:p>
+            <a:pPr marL="36900" indent="0" algn="just">
+              <a:buNone/>
+            </a:pPr>
+            <a:endParaRPr lang="en-US" sz="1800" dirty="0">
+              <a:effectLst/>
+            </a:endParaRPr>
+          </a:p>
+          <a:p>
+            <a:pPr marL="36900" indent="0" algn="just">
+              <a:buNone/>
+            </a:pPr>
+            <a:endParaRPr lang="en-US" sz="1800" dirty="0">
+              <a:effectLst/>
+            </a:endParaRPr>
+          </a:p>
+          <a:p>
+            <a:pPr marL="36900" indent="0" algn="just">
+              <a:buNone/>
+            </a:pPr>
+            <a:endParaRPr lang="en-US" sz="1800" dirty="0">
+              <a:effectLst/>
+            </a:endParaRPr>
+          </a:p>
+          <a:p>
+            <a:pPr marL="36900" indent="0" algn="just">
+              <a:buNone/>
+            </a:pPr>
+            <a:endParaRPr lang="en-US" sz="1800" dirty="0">
+              <a:effectLst/>
+            </a:endParaRPr>
+          </a:p>
+          <a:p>
+            <a:pPr marL="36900" indent="0" algn="just">
+              <a:buNone/>
+            </a:pPr>
+            <a:endParaRPr lang="en-US" sz="1800" dirty="0">
+              <a:effectLst/>
+            </a:endParaRPr>
+          </a:p>
+          <a:p>
+            <a:pPr marL="36900" indent="0" algn="just">
+              <a:buNone/>
+            </a:pPr>
+            <a:endParaRPr lang="en-US" sz="1800" dirty="0">
+              <a:effectLst/>
+            </a:endParaRPr>
+          </a:p>
+          <a:p>
+            <a:pPr marL="36900" indent="0" algn="just">
+              <a:buNone/>
+            </a:pPr>
+            <a:endParaRPr lang="en-US" sz="1800" dirty="0">
+              <a:effectLst/>
+            </a:endParaRPr>
+          </a:p>
+          <a:p>
+            <a:pPr marL="36900" indent="0">
+              <a:buNone/>
+            </a:pPr>
+            <a:endParaRPr lang="en-IN" dirty="0"/>
+          </a:p>
+        </p:txBody>
+      </p:sp>
+      <p:pic>
+        <p:nvPicPr>
+          <p:cNvPr id="5" name="Picture 4">
+            <a:extLst>
+              <a:ext uri="{FF2B5EF4-FFF2-40B4-BE49-F238E27FC236}">
+                <a16:creationId xmlns:a16="http://schemas.microsoft.com/office/drawing/2014/main" id="{0E29F0EE-B29C-FB7E-BFA1-D2108580F2FD}"/>
+              </a:ext>
+            </a:extLst>
+          </p:cNvPr>
+          <p:cNvPicPr>
+            <a:picLocks noChangeAspect="1"/>
+          </p:cNvPicPr>
+          <p:nvPr/>
+        </p:nvPicPr>
+        <p:blipFill>
+          <a:blip r:embed="rId5">
+            <a:extLst>
+              <a:ext uri="{28A0092B-C50C-407E-A947-70E740481C1C}">
+                <a14:useLocalDpi xmlns:a14="http://schemas.microsoft.com/office/drawing/2010/main" val="0"/>
+              </a:ext>
+            </a:extLst>
+          </a:blip>
+          <a:stretch>
+            <a:fillRect/>
+          </a:stretch>
+        </p:blipFill>
+        <p:spPr>
+          <a:xfrm>
+            <a:off x="8257963" y="1579643"/>
+            <a:ext cx="3123082" cy="1324588"/>
+          </a:xfrm>
+          <a:prstGeom prst="rect">
+            <a:avLst/>
+          </a:prstGeom>
+        </p:spPr>
+      </p:pic>
+      <p:pic>
+        <p:nvPicPr>
+          <p:cNvPr id="7" name="Picture 6">
+            <a:extLst>
+              <a:ext uri="{FF2B5EF4-FFF2-40B4-BE49-F238E27FC236}">
+                <a16:creationId xmlns:a16="http://schemas.microsoft.com/office/drawing/2014/main" id="{3C72A5FC-F63E-4BC3-F17E-B043262D3E83}"/>
+              </a:ext>
+            </a:extLst>
+          </p:cNvPr>
+          <p:cNvPicPr>
+            <a:picLocks noChangeAspect="1"/>
+          </p:cNvPicPr>
+          <p:nvPr/>
+        </p:nvPicPr>
+        <p:blipFill>
+          <a:blip r:embed="rId6">
+            <a:extLst>
+              <a:ext uri="{28A0092B-C50C-407E-A947-70E740481C1C}">
+                <a14:useLocalDpi xmlns:a14="http://schemas.microsoft.com/office/drawing/2010/main" val="0"/>
+              </a:ext>
+            </a:extLst>
+          </a:blip>
+          <a:stretch>
+            <a:fillRect/>
+          </a:stretch>
+        </p:blipFill>
+        <p:spPr>
+          <a:xfrm>
+            <a:off x="8257963" y="4129863"/>
+            <a:ext cx="3286584" cy="2118538"/>
+          </a:xfrm>
+          <a:prstGeom prst="rect">
+            <a:avLst/>
+          </a:prstGeom>
+        </p:spPr>
+      </p:pic>
+    </p:spTree>
+    <p:extLst>
+      <p:ext uri="{BB962C8B-B14F-4D97-AF65-F5344CB8AC3E}">
+        <p14:creationId xmlns:p14="http://schemas.microsoft.com/office/powerpoint/2010/main" val="910292943"/>
+      </p:ext>
+    </p:extLst>
+  </p:cSld>
+  <p:clrMapOvr>
+    <a:masterClrMapping/>
+  </p:clrMapOvr>
+</p:sld>
+</file>
+
 <file path=ppt/slides/slide5.xml><?xml version="1.0" encoding="utf-8"?>
 <p:sld xmlns:a="http://schemas.openxmlformats.org/drawingml/2006/main" xmlns:r="http://schemas.openxmlformats.org/officeDocument/2006/relationships" xmlns:p="http://schemas.openxmlformats.org/presentationml/2006/main">
   <p:cSld>
@@ -13592,6 +15997,897 @@
     <p:extLst>
       <p:ext uri="{BB962C8B-B14F-4D97-AF65-F5344CB8AC3E}">
         <p14:creationId xmlns:p14="http://schemas.microsoft.com/office/powerpoint/2010/main" val="26560"/>
+      </p:ext>
+    </p:extLst>
+  </p:cSld>
+  <p:clrMapOvr>
+    <a:masterClrMapping/>
+  </p:clrMapOvr>
+</p:sld>
+</file>
+
+<file path=ppt/slides/slide50.xml><?xml version="1.0" encoding="utf-8"?>
+<p:sld xmlns:a="http://schemas.openxmlformats.org/drawingml/2006/main" xmlns:r="http://schemas.openxmlformats.org/officeDocument/2006/relationships" xmlns:p="http://schemas.openxmlformats.org/presentationml/2006/main">
+  <p:cSld>
+    <p:spTree>
+      <p:nvGrpSpPr>
+        <p:cNvPr id="1" name=""/>
+        <p:cNvGrpSpPr/>
+        <p:nvPr/>
+      </p:nvGrpSpPr>
+      <p:grpSpPr>
+        <a:xfrm>
+          <a:off x="0" y="0"/>
+          <a:ext cx="0" cy="0"/>
+          <a:chOff x="0" y="0"/>
+          <a:chExt cx="0" cy="0"/>
+        </a:xfrm>
+      </p:grpSpPr>
+      <p:sp>
+        <p:nvSpPr>
+          <p:cNvPr id="2" name="Title 1">
+            <a:extLst>
+              <a:ext uri="{FF2B5EF4-FFF2-40B4-BE49-F238E27FC236}">
+                <a16:creationId xmlns:a16="http://schemas.microsoft.com/office/drawing/2014/main" id="{61A6AB2C-0606-6B2A-A1A0-72B0941D2E6F}"/>
+              </a:ext>
+            </a:extLst>
+          </p:cNvPr>
+          <p:cNvSpPr>
+            <a:spLocks noGrp="1"/>
+          </p:cNvSpPr>
+          <p:nvPr>
+            <p:ph type="title"/>
+          </p:nvPr>
+        </p:nvSpPr>
+        <p:spPr>
+          <a:xfrm>
+            <a:off x="913795" y="609600"/>
+            <a:ext cx="10353762" cy="683741"/>
+          </a:xfrm>
+        </p:spPr>
+        <p:txBody>
+          <a:bodyPr>
+            <a:normAutofit/>
+          </a:bodyPr>
+          <a:lstStyle/>
+          <a:p>
+            <a:pPr algn="l"/>
+            <a:r>
+              <a:rPr lang="en-US" sz="2400" dirty="0"/>
+              <a:t>Filter() Function:</a:t>
+            </a:r>
+            <a:endParaRPr lang="en-IN" sz="2400" dirty="0"/>
+          </a:p>
+        </p:txBody>
+      </p:sp>
+      <p:sp>
+        <p:nvSpPr>
+          <p:cNvPr id="3" name="Content Placeholder 2">
+            <a:extLst>
+              <a:ext uri="{FF2B5EF4-FFF2-40B4-BE49-F238E27FC236}">
+                <a16:creationId xmlns:a16="http://schemas.microsoft.com/office/drawing/2014/main" id="{B82F57A7-3D21-28F8-6D52-85789EF93B5B}"/>
+              </a:ext>
+            </a:extLst>
+          </p:cNvPr>
+          <p:cNvSpPr>
+            <a:spLocks noGrp="1"/>
+          </p:cNvSpPr>
+          <p:nvPr>
+            <p:ph idx="1"/>
+          </p:nvPr>
+        </p:nvSpPr>
+        <p:spPr>
+          <a:xfrm>
+            <a:off x="913795" y="1136823"/>
+            <a:ext cx="10353762" cy="4654378"/>
+          </a:xfrm>
+        </p:spPr>
+        <p:txBody>
+          <a:bodyPr>
+            <a:normAutofit/>
+          </a:bodyPr>
+          <a:lstStyle/>
+          <a:p>
+            <a:pPr marL="36900" indent="0">
+              <a:buNone/>
+            </a:pPr>
+            <a:r>
+              <a:rPr lang="en-US" sz="1800" dirty="0">
+                <a:effectLst/>
+              </a:rPr>
+              <a:t>The filter() method filters the given sequence with the help of a function that tests each element in the sequence to be true or not. Let's see a simple example of filter() function in </a:t>
+            </a:r>
+            <a:r>
+              <a:rPr lang="en-US" sz="1800" u="sng" dirty="0">
+                <a:effectLst/>
+                <a:hlinkClick r:id="rId2"/>
+              </a:rPr>
+              <a:t>python</a:t>
+            </a:r>
+            <a:r>
+              <a:rPr lang="en-US" sz="1800" dirty="0">
+                <a:effectLst/>
+              </a:rPr>
+              <a:t>:</a:t>
+            </a:r>
+          </a:p>
+          <a:p>
+            <a:pPr marL="36900" indent="0">
+              <a:buNone/>
+            </a:pPr>
+            <a:endParaRPr lang="en-US" sz="1800" dirty="0">
+              <a:effectLst/>
+            </a:endParaRPr>
+          </a:p>
+          <a:p>
+            <a:pPr marL="36900" indent="0">
+              <a:buNone/>
+            </a:pPr>
+            <a:endParaRPr lang="en-IN" sz="1800" dirty="0"/>
+          </a:p>
+        </p:txBody>
+      </p:sp>
+      <p:pic>
+        <p:nvPicPr>
+          <p:cNvPr id="5" name="Picture 4">
+            <a:extLst>
+              <a:ext uri="{FF2B5EF4-FFF2-40B4-BE49-F238E27FC236}">
+                <a16:creationId xmlns:a16="http://schemas.microsoft.com/office/drawing/2014/main" id="{32E4764B-0679-6AD9-4690-21C28FDB5254}"/>
+              </a:ext>
+            </a:extLst>
+          </p:cNvPr>
+          <p:cNvPicPr>
+            <a:picLocks noChangeAspect="1"/>
+          </p:cNvPicPr>
+          <p:nvPr/>
+        </p:nvPicPr>
+        <p:blipFill>
+          <a:blip r:embed="rId3"/>
+          <a:srcRect b="8697"/>
+          <a:stretch>
+            <a:fillRect/>
+          </a:stretch>
+        </p:blipFill>
+        <p:spPr>
+          <a:xfrm>
+            <a:off x="1260827" y="1820564"/>
+            <a:ext cx="4829849" cy="2235329"/>
+          </a:xfrm>
+          <a:prstGeom prst="rect">
+            <a:avLst/>
+          </a:prstGeom>
+        </p:spPr>
+      </p:pic>
+    </p:spTree>
+    <p:extLst>
+      <p:ext uri="{BB962C8B-B14F-4D97-AF65-F5344CB8AC3E}">
+        <p14:creationId xmlns:p14="http://schemas.microsoft.com/office/powerpoint/2010/main" val="943207851"/>
+      </p:ext>
+    </p:extLst>
+  </p:cSld>
+  <p:clrMapOvr>
+    <a:masterClrMapping/>
+  </p:clrMapOvr>
+</p:sld>
+</file>
+
+<file path=ppt/slides/slide51.xml><?xml version="1.0" encoding="utf-8"?>
+<p:sld xmlns:a="http://schemas.openxmlformats.org/drawingml/2006/main" xmlns:r="http://schemas.openxmlformats.org/officeDocument/2006/relationships" xmlns:p="http://schemas.openxmlformats.org/presentationml/2006/main">
+  <p:cSld>
+    <p:spTree>
+      <p:nvGrpSpPr>
+        <p:cNvPr id="1" name=""/>
+        <p:cNvGrpSpPr/>
+        <p:nvPr/>
+      </p:nvGrpSpPr>
+      <p:grpSpPr>
+        <a:xfrm>
+          <a:off x="0" y="0"/>
+          <a:ext cx="0" cy="0"/>
+          <a:chOff x="0" y="0"/>
+          <a:chExt cx="0" cy="0"/>
+        </a:xfrm>
+      </p:grpSpPr>
+      <p:sp>
+        <p:nvSpPr>
+          <p:cNvPr id="2" name="Title 1">
+            <a:extLst>
+              <a:ext uri="{FF2B5EF4-FFF2-40B4-BE49-F238E27FC236}">
+                <a16:creationId xmlns:a16="http://schemas.microsoft.com/office/drawing/2014/main" id="{B82C059F-0514-342D-D303-E9A3018C3C0A}"/>
+              </a:ext>
+            </a:extLst>
+          </p:cNvPr>
+          <p:cNvSpPr>
+            <a:spLocks noGrp="1"/>
+          </p:cNvSpPr>
+          <p:nvPr>
+            <p:ph type="title"/>
+          </p:nvPr>
+        </p:nvSpPr>
+        <p:spPr>
+          <a:xfrm>
+            <a:off x="913795" y="609600"/>
+            <a:ext cx="10353762" cy="778933"/>
+          </a:xfrm>
+        </p:spPr>
+        <p:txBody>
+          <a:bodyPr>
+            <a:normAutofit/>
+          </a:bodyPr>
+          <a:lstStyle/>
+          <a:p>
+            <a:pPr algn="l"/>
+            <a:r>
+              <a:rPr lang="en-IN" sz="3600" b="1" dirty="0"/>
+              <a:t>Decorators in Python:</a:t>
+            </a:r>
+          </a:p>
+        </p:txBody>
+      </p:sp>
+      <p:sp>
+        <p:nvSpPr>
+          <p:cNvPr id="3" name="Content Placeholder 2">
+            <a:extLst>
+              <a:ext uri="{FF2B5EF4-FFF2-40B4-BE49-F238E27FC236}">
+                <a16:creationId xmlns:a16="http://schemas.microsoft.com/office/drawing/2014/main" id="{40AC24B2-63E0-3DDD-BF08-A752501E2CAA}"/>
+              </a:ext>
+            </a:extLst>
+          </p:cNvPr>
+          <p:cNvSpPr>
+            <a:spLocks noGrp="1"/>
+          </p:cNvSpPr>
+          <p:nvPr>
+            <p:ph idx="1"/>
+          </p:nvPr>
+        </p:nvSpPr>
+        <p:spPr>
+          <a:xfrm>
+            <a:off x="913795" y="1388533"/>
+            <a:ext cx="5346962" cy="4859867"/>
+          </a:xfrm>
+        </p:spPr>
+        <p:txBody>
+          <a:bodyPr>
+            <a:normAutofit lnSpcReduction="10000"/>
+          </a:bodyPr>
+          <a:lstStyle/>
+          <a:p>
+            <a:pPr algn="just"/>
+            <a:r>
+              <a:rPr lang="en-US" sz="1800" dirty="0">
+                <a:effectLst/>
+              </a:rPr>
+              <a:t>In </a:t>
+            </a:r>
+            <a:r>
+              <a:rPr lang="en-US" sz="1800" u="sng" dirty="0">
+                <a:effectLst/>
+                <a:hlinkClick r:id="rId2"/>
+              </a:rPr>
+              <a:t>Python</a:t>
+            </a:r>
+            <a:r>
+              <a:rPr lang="en-US" sz="1800" dirty="0">
+                <a:effectLst/>
+              </a:rPr>
+              <a:t>, decorators are a powerful and flexible way to modify or extend the behavior of functions or methods, without changing their actual code. A decorator is essentially a </a:t>
+            </a:r>
+            <a:r>
+              <a:rPr lang="en-US" sz="1800" u="sng" dirty="0">
+                <a:effectLst/>
+                <a:hlinkClick r:id="rId3"/>
+              </a:rPr>
+              <a:t>function</a:t>
+            </a:r>
+            <a:r>
+              <a:rPr lang="en-US" sz="1800" dirty="0">
+                <a:effectLst/>
+              </a:rPr>
+              <a:t> that takes another function as an argument and returns a new function with enhanced functionality.</a:t>
+            </a:r>
+          </a:p>
+          <a:p>
+            <a:pPr algn="just"/>
+            <a:r>
+              <a:rPr lang="en-US" sz="1800" dirty="0">
+                <a:effectLst/>
+              </a:rPr>
+              <a:t>Decorators are often used in scenarios such as logging, authentication and memorization, allowing us to add additional functionality to existing functions or methods in a clean, reusable way.</a:t>
+            </a:r>
+          </a:p>
+          <a:p>
+            <a:pPr algn="just"/>
+            <a:r>
+              <a:rPr lang="en-US" b="1" dirty="0" err="1">
+                <a:effectLst/>
+              </a:rPr>
+              <a:t>decorator_name</a:t>
+            </a:r>
+            <a:r>
+              <a:rPr lang="en-US" b="1" dirty="0">
+                <a:effectLst/>
+              </a:rPr>
+              <a:t>:</a:t>
+            </a:r>
+            <a:r>
+              <a:rPr lang="en-US" dirty="0">
+                <a:effectLst/>
+              </a:rPr>
+              <a:t> This is the name of the decorator function.</a:t>
+            </a:r>
+          </a:p>
+          <a:p>
+            <a:pPr algn="just"/>
+            <a:r>
+              <a:rPr lang="en-US" b="1" dirty="0">
+                <a:effectLst/>
+              </a:rPr>
+              <a:t>wrapper: </a:t>
+            </a:r>
+            <a:r>
+              <a:rPr lang="en-US" dirty="0">
+                <a:effectLst/>
+              </a:rPr>
+              <a:t>This is a nested function inside the decorator. It wraps the original function, adding additional functionality.</a:t>
+            </a:r>
+          </a:p>
+        </p:txBody>
+      </p:sp>
+      <p:pic>
+        <p:nvPicPr>
+          <p:cNvPr id="5" name="Picture 4">
+            <a:extLst>
+              <a:ext uri="{FF2B5EF4-FFF2-40B4-BE49-F238E27FC236}">
+                <a16:creationId xmlns:a16="http://schemas.microsoft.com/office/drawing/2014/main" id="{5F51FCDB-33B0-58F9-1C2A-8F5A80220E93}"/>
+              </a:ext>
+            </a:extLst>
+          </p:cNvPr>
+          <p:cNvPicPr>
+            <a:picLocks noChangeAspect="1"/>
+          </p:cNvPicPr>
+          <p:nvPr/>
+        </p:nvPicPr>
+        <p:blipFill>
+          <a:blip r:embed="rId4">
+            <a:extLst>
+              <a:ext uri="{28A0092B-C50C-407E-A947-70E740481C1C}">
+                <a14:useLocalDpi xmlns:a14="http://schemas.microsoft.com/office/drawing/2010/main" val="0"/>
+              </a:ext>
+            </a:extLst>
+          </a:blip>
+          <a:stretch>
+            <a:fillRect/>
+          </a:stretch>
+        </p:blipFill>
+        <p:spPr>
+          <a:xfrm>
+            <a:off x="7363734" y="1388533"/>
+            <a:ext cx="3151866" cy="4301067"/>
+          </a:xfrm>
+          <a:prstGeom prst="rect">
+            <a:avLst/>
+          </a:prstGeom>
+        </p:spPr>
+      </p:pic>
+    </p:spTree>
+    <p:extLst>
+      <p:ext uri="{BB962C8B-B14F-4D97-AF65-F5344CB8AC3E}">
+        <p14:creationId xmlns:p14="http://schemas.microsoft.com/office/powerpoint/2010/main" val="3827004665"/>
+      </p:ext>
+    </p:extLst>
+  </p:cSld>
+  <p:clrMapOvr>
+    <a:masterClrMapping/>
+  </p:clrMapOvr>
+</p:sld>
+</file>
+
+<file path=ppt/slides/slide52.xml><?xml version="1.0" encoding="utf-8"?>
+<p:sld xmlns:a="http://schemas.openxmlformats.org/drawingml/2006/main" xmlns:r="http://schemas.openxmlformats.org/officeDocument/2006/relationships" xmlns:p="http://schemas.openxmlformats.org/presentationml/2006/main">
+  <p:cSld>
+    <p:spTree>
+      <p:nvGrpSpPr>
+        <p:cNvPr id="1" name=""/>
+        <p:cNvGrpSpPr/>
+        <p:nvPr/>
+      </p:nvGrpSpPr>
+      <p:grpSpPr>
+        <a:xfrm>
+          <a:off x="0" y="0"/>
+          <a:ext cx="0" cy="0"/>
+          <a:chOff x="0" y="0"/>
+          <a:chExt cx="0" cy="0"/>
+        </a:xfrm>
+      </p:grpSpPr>
+      <p:sp>
+        <p:nvSpPr>
+          <p:cNvPr id="2" name="Title 1">
+            <a:extLst>
+              <a:ext uri="{FF2B5EF4-FFF2-40B4-BE49-F238E27FC236}">
+                <a16:creationId xmlns:a16="http://schemas.microsoft.com/office/drawing/2014/main" id="{FB62F492-3C65-F0D9-D028-7F8E3B2E27A4}"/>
+              </a:ext>
+            </a:extLst>
+          </p:cNvPr>
+          <p:cNvSpPr>
+            <a:spLocks noGrp="1"/>
+          </p:cNvSpPr>
+          <p:nvPr>
+            <p:ph type="title"/>
+          </p:nvPr>
+        </p:nvSpPr>
+        <p:spPr>
+          <a:xfrm>
+            <a:off x="913795" y="728133"/>
+            <a:ext cx="10353762" cy="677333"/>
+          </a:xfrm>
+        </p:spPr>
+        <p:txBody>
+          <a:bodyPr>
+            <a:normAutofit fontScale="90000"/>
+          </a:bodyPr>
+          <a:lstStyle/>
+          <a:p>
+            <a:pPr algn="l"/>
+            <a:r>
+              <a:rPr lang="en-IN" b="1" dirty="0"/>
+              <a:t>Higher-Order Functions: </a:t>
+            </a:r>
+          </a:p>
+        </p:txBody>
+      </p:sp>
+      <p:sp>
+        <p:nvSpPr>
+          <p:cNvPr id="3" name="Content Placeholder 2">
+            <a:extLst>
+              <a:ext uri="{FF2B5EF4-FFF2-40B4-BE49-F238E27FC236}">
+                <a16:creationId xmlns:a16="http://schemas.microsoft.com/office/drawing/2014/main" id="{99310122-1E4A-C744-A156-91CF2DBC5EDF}"/>
+              </a:ext>
+            </a:extLst>
+          </p:cNvPr>
+          <p:cNvSpPr>
+            <a:spLocks noGrp="1"/>
+          </p:cNvSpPr>
+          <p:nvPr>
+            <p:ph idx="1"/>
+          </p:nvPr>
+        </p:nvSpPr>
+        <p:spPr>
+          <a:xfrm>
+            <a:off x="913795" y="1405467"/>
+            <a:ext cx="10353762" cy="4385734"/>
+          </a:xfrm>
+        </p:spPr>
+        <p:txBody>
+          <a:bodyPr/>
+          <a:lstStyle/>
+          <a:p>
+            <a:pPr marL="36900" indent="0">
+              <a:buNone/>
+            </a:pPr>
+            <a:r>
+              <a:rPr lang="en-US" dirty="0">
+                <a:effectLst/>
+              </a:rPr>
+              <a:t>In Python, </a:t>
+            </a:r>
+            <a:r>
+              <a:rPr lang="en-US" b="1" u="sng" dirty="0">
+                <a:effectLst/>
+                <a:hlinkClick r:id="rId2"/>
+              </a:rPr>
+              <a:t>higher-order functions</a:t>
+            </a:r>
+            <a:r>
+              <a:rPr lang="en-US" dirty="0">
+                <a:effectLst/>
+              </a:rPr>
+              <a:t> are functions that take one or more functions as arguments, return a function as a result or do both. Essentially, a higher-order function is a function that operates on other functions. This is a powerful concept in functional programming and is a key component in understanding how decorators work.</a:t>
+            </a:r>
+          </a:p>
+          <a:p>
+            <a:pPr marL="36900" indent="0">
+              <a:buNone/>
+            </a:pPr>
+            <a:endParaRPr lang="en-IN" dirty="0"/>
+          </a:p>
+        </p:txBody>
+      </p:sp>
+      <p:pic>
+        <p:nvPicPr>
+          <p:cNvPr id="5" name="Picture 4">
+            <a:extLst>
+              <a:ext uri="{FF2B5EF4-FFF2-40B4-BE49-F238E27FC236}">
+                <a16:creationId xmlns:a16="http://schemas.microsoft.com/office/drawing/2014/main" id="{E1603653-ADC6-51F3-C4D5-7CCB15EC3B7C}"/>
+              </a:ext>
+            </a:extLst>
+          </p:cNvPr>
+          <p:cNvPicPr>
+            <a:picLocks noChangeAspect="1"/>
+          </p:cNvPicPr>
+          <p:nvPr/>
+        </p:nvPicPr>
+        <p:blipFill>
+          <a:blip r:embed="rId3"/>
+          <a:stretch>
+            <a:fillRect/>
+          </a:stretch>
+        </p:blipFill>
+        <p:spPr>
+          <a:xfrm>
+            <a:off x="1345537" y="2812956"/>
+            <a:ext cx="6001588" cy="3096057"/>
+          </a:xfrm>
+          <a:prstGeom prst="rect">
+            <a:avLst/>
+          </a:prstGeom>
+        </p:spPr>
+      </p:pic>
+    </p:spTree>
+    <p:extLst>
+      <p:ext uri="{BB962C8B-B14F-4D97-AF65-F5344CB8AC3E}">
+        <p14:creationId xmlns:p14="http://schemas.microsoft.com/office/powerpoint/2010/main" val="1442408045"/>
+      </p:ext>
+    </p:extLst>
+  </p:cSld>
+  <p:clrMapOvr>
+    <a:masterClrMapping/>
+  </p:clrMapOvr>
+</p:sld>
+</file>
+
+<file path=ppt/slides/slide53.xml><?xml version="1.0" encoding="utf-8"?>
+<p:sld xmlns:a="http://schemas.openxmlformats.org/drawingml/2006/main" xmlns:r="http://schemas.openxmlformats.org/officeDocument/2006/relationships" xmlns:p="http://schemas.openxmlformats.org/presentationml/2006/main">
+  <p:cSld>
+    <p:spTree>
+      <p:nvGrpSpPr>
+        <p:cNvPr id="1" name=""/>
+        <p:cNvGrpSpPr/>
+        <p:nvPr/>
+      </p:nvGrpSpPr>
+      <p:grpSpPr>
+        <a:xfrm>
+          <a:off x="0" y="0"/>
+          <a:ext cx="0" cy="0"/>
+          <a:chOff x="0" y="0"/>
+          <a:chExt cx="0" cy="0"/>
+        </a:xfrm>
+      </p:grpSpPr>
+      <p:sp>
+        <p:nvSpPr>
+          <p:cNvPr id="2" name="Title 1">
+            <a:extLst>
+              <a:ext uri="{FF2B5EF4-FFF2-40B4-BE49-F238E27FC236}">
+                <a16:creationId xmlns:a16="http://schemas.microsoft.com/office/drawing/2014/main" id="{0A379083-B3DE-1F43-6A6C-7A6FEB66D4F0}"/>
+              </a:ext>
+            </a:extLst>
+          </p:cNvPr>
+          <p:cNvSpPr>
+            <a:spLocks noGrp="1"/>
+          </p:cNvSpPr>
+          <p:nvPr>
+            <p:ph type="title"/>
+          </p:nvPr>
+        </p:nvSpPr>
+        <p:spPr>
+          <a:xfrm>
+            <a:off x="913795" y="609600"/>
+            <a:ext cx="10353762" cy="593124"/>
+          </a:xfrm>
+        </p:spPr>
+        <p:txBody>
+          <a:bodyPr>
+            <a:normAutofit fontScale="90000"/>
+          </a:bodyPr>
+          <a:lstStyle/>
+          <a:p>
+            <a:pPr algn="l"/>
+            <a:r>
+              <a:rPr lang="en-US" b="1" dirty="0"/>
+              <a:t>Types of Decorators in Python:</a:t>
+            </a:r>
+            <a:endParaRPr lang="en-IN" b="1" dirty="0"/>
+          </a:p>
+        </p:txBody>
+      </p:sp>
+      <p:sp>
+        <p:nvSpPr>
+          <p:cNvPr id="3" name="Content Placeholder 2">
+            <a:extLst>
+              <a:ext uri="{FF2B5EF4-FFF2-40B4-BE49-F238E27FC236}">
+                <a16:creationId xmlns:a16="http://schemas.microsoft.com/office/drawing/2014/main" id="{7213C26C-B0CC-4F3C-CF91-36A95C5777E2}"/>
+              </a:ext>
+            </a:extLst>
+          </p:cNvPr>
+          <p:cNvSpPr>
+            <a:spLocks noGrp="1"/>
+          </p:cNvSpPr>
+          <p:nvPr>
+            <p:ph idx="1"/>
+          </p:nvPr>
+        </p:nvSpPr>
+        <p:spPr>
+          <a:xfrm>
+            <a:off x="913795" y="1260389"/>
+            <a:ext cx="10353762" cy="4530812"/>
+          </a:xfrm>
+        </p:spPr>
+        <p:txBody>
+          <a:bodyPr/>
+          <a:lstStyle/>
+          <a:p>
+            <a:pPr marL="379800" indent="-342900">
+              <a:buAutoNum type="arabicPeriod"/>
+            </a:pPr>
+            <a:r>
+              <a:rPr lang="en-US" sz="1800" b="1" dirty="0"/>
+              <a:t>Function Decorators:  </a:t>
+            </a:r>
+            <a:r>
+              <a:rPr lang="en-US" sz="1800" dirty="0"/>
+              <a:t>These are the most common. They take a function as input and return a modified function.</a:t>
+            </a:r>
+          </a:p>
+          <a:p>
+            <a:pPr marL="36900" indent="0">
+              <a:buNone/>
+            </a:pPr>
+            <a:endParaRPr lang="en-US" sz="1800" dirty="0"/>
+          </a:p>
+          <a:p>
+            <a:pPr marL="36900" indent="0">
+              <a:buNone/>
+            </a:pPr>
+            <a:endParaRPr lang="en-IN" dirty="0"/>
+          </a:p>
+        </p:txBody>
+      </p:sp>
+      <p:pic>
+        <p:nvPicPr>
+          <p:cNvPr id="5" name="Picture 4">
+            <a:extLst>
+              <a:ext uri="{FF2B5EF4-FFF2-40B4-BE49-F238E27FC236}">
+                <a16:creationId xmlns:a16="http://schemas.microsoft.com/office/drawing/2014/main" id="{194C410A-D0DC-D099-3DA0-668096100F3F}"/>
+              </a:ext>
+            </a:extLst>
+          </p:cNvPr>
+          <p:cNvPicPr>
+            <a:picLocks noChangeAspect="1"/>
+          </p:cNvPicPr>
+          <p:nvPr/>
+        </p:nvPicPr>
+        <p:blipFill>
+          <a:blip r:embed="rId2"/>
+          <a:stretch>
+            <a:fillRect/>
+          </a:stretch>
+        </p:blipFill>
+        <p:spPr>
+          <a:xfrm>
+            <a:off x="1513172" y="2034764"/>
+            <a:ext cx="3410426" cy="3562847"/>
+          </a:xfrm>
+          <a:prstGeom prst="rect">
+            <a:avLst/>
+          </a:prstGeom>
+        </p:spPr>
+      </p:pic>
+    </p:spTree>
+    <p:extLst>
+      <p:ext uri="{BB962C8B-B14F-4D97-AF65-F5344CB8AC3E}">
+        <p14:creationId xmlns:p14="http://schemas.microsoft.com/office/powerpoint/2010/main" val="3883962626"/>
+      </p:ext>
+    </p:extLst>
+  </p:cSld>
+  <p:clrMapOvr>
+    <a:masterClrMapping/>
+  </p:clrMapOvr>
+</p:sld>
+</file>
+
+<file path=ppt/slides/slide54.xml><?xml version="1.0" encoding="utf-8"?>
+<p:sld xmlns:a="http://schemas.openxmlformats.org/drawingml/2006/main" xmlns:r="http://schemas.openxmlformats.org/officeDocument/2006/relationships" xmlns:p="http://schemas.openxmlformats.org/presentationml/2006/main">
+  <p:cSld>
+    <p:spTree>
+      <p:nvGrpSpPr>
+        <p:cNvPr id="1" name=""/>
+        <p:cNvGrpSpPr/>
+        <p:nvPr/>
+      </p:nvGrpSpPr>
+      <p:grpSpPr>
+        <a:xfrm>
+          <a:off x="0" y="0"/>
+          <a:ext cx="0" cy="0"/>
+          <a:chOff x="0" y="0"/>
+          <a:chExt cx="0" cy="0"/>
+        </a:xfrm>
+      </p:grpSpPr>
+      <p:sp>
+        <p:nvSpPr>
+          <p:cNvPr id="3" name="Content Placeholder 2">
+            <a:extLst>
+              <a:ext uri="{FF2B5EF4-FFF2-40B4-BE49-F238E27FC236}">
+                <a16:creationId xmlns:a16="http://schemas.microsoft.com/office/drawing/2014/main" id="{C32FE6E6-8F9D-E82C-9B0B-CC224F879F9D}"/>
+              </a:ext>
+            </a:extLst>
+          </p:cNvPr>
+          <p:cNvSpPr>
+            <a:spLocks noGrp="1"/>
+          </p:cNvSpPr>
+          <p:nvPr>
+            <p:ph idx="1"/>
+          </p:nvPr>
+        </p:nvSpPr>
+        <p:spPr>
+          <a:xfrm>
+            <a:off x="913795" y="422032"/>
+            <a:ext cx="10823936" cy="5281246"/>
+          </a:xfrm>
+        </p:spPr>
+        <p:txBody>
+          <a:bodyPr/>
+          <a:lstStyle/>
+          <a:p>
+            <a:pPr marL="36900" indent="0">
+              <a:buNone/>
+            </a:pPr>
+            <a:r>
+              <a:rPr lang="en-US" sz="1800" dirty="0"/>
+              <a:t>2. Class Decorators: Used to modify or enhance classes. The decorator receives a class object and returns a modified or new class.</a:t>
+            </a:r>
+          </a:p>
+          <a:p>
+            <a:pPr marL="36900" indent="0">
+              <a:buNone/>
+            </a:pPr>
+            <a:endParaRPr lang="en-US" sz="1800" dirty="0"/>
+          </a:p>
+          <a:p>
+            <a:pPr marL="36900" indent="0">
+              <a:buNone/>
+            </a:pPr>
+            <a:endParaRPr lang="en-US" sz="1800" dirty="0"/>
+          </a:p>
+          <a:p>
+            <a:pPr marL="36900" indent="0">
+              <a:buNone/>
+            </a:pPr>
+            <a:endParaRPr lang="en-US" sz="1800" dirty="0"/>
+          </a:p>
+          <a:p>
+            <a:pPr marL="36900" indent="0">
+              <a:buNone/>
+            </a:pPr>
+            <a:endParaRPr lang="en-US" sz="1800" dirty="0"/>
+          </a:p>
+          <a:p>
+            <a:pPr marL="36900" indent="0">
+              <a:buNone/>
+            </a:pPr>
+            <a:r>
+              <a:rPr lang="en-US" sz="1800" dirty="0"/>
+              <a:t>3. Method Decorators: Used to decorate methods within a class. They often handle special cases, such as the self argument for instance methods.</a:t>
+            </a:r>
+          </a:p>
+          <a:p>
+            <a:pPr marL="36900" indent="0">
+              <a:buNone/>
+            </a:pPr>
+            <a:endParaRPr lang="en-US" sz="1800" dirty="0"/>
+          </a:p>
+          <a:p>
+            <a:pPr marL="36900" indent="0">
+              <a:buNone/>
+            </a:pPr>
+            <a:endParaRPr lang="en-US" sz="1800" dirty="0"/>
+          </a:p>
+          <a:p>
+            <a:pPr marL="36900" indent="0">
+              <a:buNone/>
+            </a:pPr>
+            <a:endParaRPr lang="en-US" dirty="0"/>
+          </a:p>
+          <a:p>
+            <a:pPr marL="36900" indent="0">
+              <a:buNone/>
+            </a:pPr>
+            <a:endParaRPr lang="en-US" dirty="0"/>
+          </a:p>
+          <a:p>
+            <a:pPr marL="36900" indent="0">
+              <a:buNone/>
+            </a:pPr>
+            <a:endParaRPr lang="en-US" dirty="0"/>
+          </a:p>
+          <a:p>
+            <a:pPr marL="36900" indent="0">
+              <a:buNone/>
+            </a:pPr>
+            <a:endParaRPr lang="en-US" dirty="0"/>
+          </a:p>
+          <a:p>
+            <a:pPr marL="36900" indent="0">
+              <a:buNone/>
+            </a:pPr>
+            <a:endParaRPr lang="en-US" dirty="0"/>
+          </a:p>
+          <a:p>
+            <a:pPr marL="36900" indent="0">
+              <a:buNone/>
+            </a:pPr>
+            <a:endParaRPr lang="en-US" dirty="0"/>
+          </a:p>
+          <a:p>
+            <a:pPr marL="36900" indent="0">
+              <a:buNone/>
+            </a:pPr>
+            <a:endParaRPr lang="en-IN" dirty="0"/>
+          </a:p>
+        </p:txBody>
+      </p:sp>
+      <p:pic>
+        <p:nvPicPr>
+          <p:cNvPr id="7" name="Picture 6">
+            <a:extLst>
+              <a:ext uri="{FF2B5EF4-FFF2-40B4-BE49-F238E27FC236}">
+                <a16:creationId xmlns:a16="http://schemas.microsoft.com/office/drawing/2014/main" id="{B1BA4E7B-84E1-0703-3DF7-DCBABCE6B968}"/>
+              </a:ext>
+            </a:extLst>
+          </p:cNvPr>
+          <p:cNvPicPr>
+            <a:picLocks noChangeAspect="1"/>
+          </p:cNvPicPr>
+          <p:nvPr/>
+        </p:nvPicPr>
+        <p:blipFill>
+          <a:blip r:embed="rId2"/>
+          <a:stretch>
+            <a:fillRect/>
+          </a:stretch>
+        </p:blipFill>
+        <p:spPr>
+          <a:xfrm>
+            <a:off x="1684199" y="1040424"/>
+            <a:ext cx="2940555" cy="1711787"/>
+          </a:xfrm>
+          <a:prstGeom prst="rect">
+            <a:avLst/>
+          </a:prstGeom>
+        </p:spPr>
+      </p:pic>
+      <p:pic>
+        <p:nvPicPr>
+          <p:cNvPr id="10" name="Picture 9">
+            <a:extLst>
+              <a:ext uri="{FF2B5EF4-FFF2-40B4-BE49-F238E27FC236}">
+                <a16:creationId xmlns:a16="http://schemas.microsoft.com/office/drawing/2014/main" id="{A7EED791-2C36-0D9C-CB37-259EED3BAF9B}"/>
+              </a:ext>
+            </a:extLst>
+          </p:cNvPr>
+          <p:cNvPicPr>
+            <a:picLocks noChangeAspect="1"/>
+          </p:cNvPicPr>
+          <p:nvPr/>
+        </p:nvPicPr>
+        <p:blipFill>
+          <a:blip r:embed="rId3"/>
+          <a:stretch>
+            <a:fillRect/>
+          </a:stretch>
+        </p:blipFill>
+        <p:spPr>
+          <a:xfrm>
+            <a:off x="4687088" y="3172267"/>
+            <a:ext cx="2900674" cy="3527471"/>
+          </a:xfrm>
+          <a:prstGeom prst="rect">
+            <a:avLst/>
+          </a:prstGeom>
+        </p:spPr>
+      </p:pic>
+    </p:spTree>
+    <p:extLst>
+      <p:ext uri="{BB962C8B-B14F-4D97-AF65-F5344CB8AC3E}">
+        <p14:creationId xmlns:p14="http://schemas.microsoft.com/office/powerpoint/2010/main" val="4199269726"/>
       </p:ext>
     </p:extLst>
   </p:cSld>
@@ -14078,18 +17374,6 @@
                 <a:effectLst/>
               </a:rPr>
               <a:t>It an be used as variable names (if not a keyword).</a:t>
-            </a:r>
-          </a:p>
-          <a:p>
-            <a:pPr algn="just">
-              <a:buFont typeface="Wingdings" panose="05000000000000000000" pitchFamily="2" charset="2"/>
-              <a:buChar char="Ø"/>
-            </a:pPr>
-            <a:r>
-              <a:rPr lang="en-US" dirty="0">
-                <a:effectLst/>
-              </a:rPr>
-              <a:t>It is User-defined, meaningful names in the code.</a:t>
             </a:r>
           </a:p>
           <a:p>

--- a/Python.pptx
+++ b/Python.pptx
@@ -5,7 +5,7 @@
     <p:sldMasterId id="2147483720" r:id="rId1"/>
   </p:sldMasterIdLst>
   <p:notesMasterIdLst>
-    <p:notesMasterId r:id="rId56"/>
+    <p:notesMasterId r:id="rId60"/>
   </p:notesMasterIdLst>
   <p:sldIdLst>
     <p:sldId id="256" r:id="rId2"/>
@@ -62,6 +62,10 @@
     <p:sldId id="309" r:id="rId53"/>
     <p:sldId id="308" r:id="rId54"/>
     <p:sldId id="310" r:id="rId55"/>
+    <p:sldId id="311" r:id="rId56"/>
+    <p:sldId id="312" r:id="rId57"/>
+    <p:sldId id="313" r:id="rId58"/>
+    <p:sldId id="314" r:id="rId59"/>
   </p:sldIdLst>
   <p:sldSz cx="12192000" cy="6858000"/>
   <p:notesSz cx="6858000" cy="9144000"/>
@@ -250,7 +254,7 @@
           <a:p>
             <a:fld id="{0DA5721C-CC13-4F06-A4D8-B5B9B3873FDA}" type="datetimeFigureOut">
               <a:rPr lang="en-IN" smtClean="0"/>
-              <a:t>07-07-2025</a:t>
+              <a:t>08-07-2025</a:t>
             </a:fld>
             <a:endParaRPr lang="en-IN"/>
           </a:p>
@@ -787,7 +791,7 @@
           <a:p>
             <a:fld id="{3F6844BE-402D-48E1-9905-ECB9699C5076}" type="datetimeFigureOut">
               <a:rPr lang="en-IN" smtClean="0"/>
-              <a:t>07-07-2025</a:t>
+              <a:t>08-07-2025</a:t>
             </a:fld>
             <a:endParaRPr lang="en-IN"/>
           </a:p>
@@ -1085,7 +1089,7 @@
           <a:p>
             <a:fld id="{3F6844BE-402D-48E1-9905-ECB9699C5076}" type="datetimeFigureOut">
               <a:rPr lang="en-IN" smtClean="0"/>
-              <a:t>07-07-2025</a:t>
+              <a:t>08-07-2025</a:t>
             </a:fld>
             <a:endParaRPr lang="en-IN"/>
           </a:p>
@@ -1277,7 +1281,7 @@
           <a:p>
             <a:fld id="{3F6844BE-402D-48E1-9905-ECB9699C5076}" type="datetimeFigureOut">
               <a:rPr lang="en-IN" smtClean="0"/>
-              <a:t>07-07-2025</a:t>
+              <a:t>08-07-2025</a:t>
             </a:fld>
             <a:endParaRPr lang="en-IN"/>
           </a:p>
@@ -1538,7 +1542,7 @@
           <a:p>
             <a:fld id="{3F6844BE-402D-48E1-9905-ECB9699C5076}" type="datetimeFigureOut">
               <a:rPr lang="en-IN" smtClean="0"/>
-              <a:t>07-07-2025</a:t>
+              <a:t>08-07-2025</a:t>
             </a:fld>
             <a:endParaRPr lang="en-IN"/>
           </a:p>
@@ -1962,7 +1966,7 @@
           <a:p>
             <a:fld id="{3F6844BE-402D-48E1-9905-ECB9699C5076}" type="datetimeFigureOut">
               <a:rPr lang="en-IN" smtClean="0"/>
-              <a:t>07-07-2025</a:t>
+              <a:t>08-07-2025</a:t>
             </a:fld>
             <a:endParaRPr lang="en-IN"/>
           </a:p>
@@ -2499,7 +2503,7 @@
           <a:p>
             <a:fld id="{3F6844BE-402D-48E1-9905-ECB9699C5076}" type="datetimeFigureOut">
               <a:rPr lang="en-IN" smtClean="0"/>
-              <a:t>07-07-2025</a:t>
+              <a:t>08-07-2025</a:t>
             </a:fld>
             <a:endParaRPr lang="en-IN"/>
           </a:p>
@@ -3363,7 +3367,7 @@
           <a:p>
             <a:fld id="{3F6844BE-402D-48E1-9905-ECB9699C5076}" type="datetimeFigureOut">
               <a:rPr lang="en-IN" smtClean="0"/>
-              <a:t>07-07-2025</a:t>
+              <a:t>08-07-2025</a:t>
             </a:fld>
             <a:endParaRPr lang="en-IN"/>
           </a:p>
@@ -3533,7 +3537,7 @@
           <a:p>
             <a:fld id="{3F6844BE-402D-48E1-9905-ECB9699C5076}" type="datetimeFigureOut">
               <a:rPr lang="en-IN" smtClean="0"/>
-              <a:t>07-07-2025</a:t>
+              <a:t>08-07-2025</a:t>
             </a:fld>
             <a:endParaRPr lang="en-IN"/>
           </a:p>
@@ -3717,7 +3721,7 @@
           <a:p>
             <a:fld id="{3F6844BE-402D-48E1-9905-ECB9699C5076}" type="datetimeFigureOut">
               <a:rPr lang="en-IN" smtClean="0"/>
-              <a:t>07-07-2025</a:t>
+              <a:t>08-07-2025</a:t>
             </a:fld>
             <a:endParaRPr lang="en-IN"/>
           </a:p>
@@ -3887,7 +3891,7 @@
           <a:p>
             <a:fld id="{3F6844BE-402D-48E1-9905-ECB9699C5076}" type="datetimeFigureOut">
               <a:rPr lang="en-IN" smtClean="0"/>
-              <a:t>07-07-2025</a:t>
+              <a:t>08-07-2025</a:t>
             </a:fld>
             <a:endParaRPr lang="en-IN"/>
           </a:p>
@@ -4131,7 +4135,7 @@
           <a:p>
             <a:fld id="{3F6844BE-402D-48E1-9905-ECB9699C5076}" type="datetimeFigureOut">
               <a:rPr lang="en-IN" smtClean="0"/>
-              <a:t>07-07-2025</a:t>
+              <a:t>08-07-2025</a:t>
             </a:fld>
             <a:endParaRPr lang="en-IN"/>
           </a:p>
@@ -4367,7 +4371,7 @@
           <a:p>
             <a:fld id="{3F6844BE-402D-48E1-9905-ECB9699C5076}" type="datetimeFigureOut">
               <a:rPr lang="en-IN" smtClean="0"/>
-              <a:t>07-07-2025</a:t>
+              <a:t>08-07-2025</a:t>
             </a:fld>
             <a:endParaRPr lang="en-IN"/>
           </a:p>
@@ -4833,7 +4837,7 @@
           <a:p>
             <a:fld id="{3F6844BE-402D-48E1-9905-ECB9699C5076}" type="datetimeFigureOut">
               <a:rPr lang="en-IN" smtClean="0"/>
-              <a:t>07-07-2025</a:t>
+              <a:t>08-07-2025</a:t>
             </a:fld>
             <a:endParaRPr lang="en-IN"/>
           </a:p>
@@ -4951,7 +4955,7 @@
           <a:p>
             <a:fld id="{3F6844BE-402D-48E1-9905-ECB9699C5076}" type="datetimeFigureOut">
               <a:rPr lang="en-IN" smtClean="0"/>
-              <a:t>07-07-2025</a:t>
+              <a:t>08-07-2025</a:t>
             </a:fld>
             <a:endParaRPr lang="en-IN"/>
           </a:p>
@@ -5046,7 +5050,7 @@
           <a:p>
             <a:fld id="{3F6844BE-402D-48E1-9905-ECB9699C5076}" type="datetimeFigureOut">
               <a:rPr lang="en-IN" smtClean="0"/>
-              <a:t>07-07-2025</a:t>
+              <a:t>08-07-2025</a:t>
             </a:fld>
             <a:endParaRPr lang="en-IN"/>
           </a:p>
@@ -5301,7 +5305,7 @@
           <a:p>
             <a:fld id="{3F6844BE-402D-48E1-9905-ECB9699C5076}" type="datetimeFigureOut">
               <a:rPr lang="en-IN" smtClean="0"/>
-              <a:t>07-07-2025</a:t>
+              <a:t>08-07-2025</a:t>
             </a:fld>
             <a:endParaRPr lang="en-IN"/>
           </a:p>
@@ -5601,7 +5605,7 @@
           <a:p>
             <a:fld id="{3F6844BE-402D-48E1-9905-ECB9699C5076}" type="datetimeFigureOut">
               <a:rPr lang="en-IN" smtClean="0"/>
-              <a:t>07-07-2025</a:t>
+              <a:t>08-07-2025</a:t>
             </a:fld>
             <a:endParaRPr lang="en-IN"/>
           </a:p>
@@ -5835,7 +5839,7 @@
           <a:p>
             <a:fld id="{3F6844BE-402D-48E1-9905-ECB9699C5076}" type="datetimeFigureOut">
               <a:rPr lang="en-IN" smtClean="0"/>
-              <a:t>07-07-2025</a:t>
+              <a:t>08-07-2025</a:t>
             </a:fld>
             <a:endParaRPr lang="en-IN"/>
           </a:p>
@@ -16897,6 +16901,608 @@
 </p:sld>
 </file>
 
+<file path=ppt/slides/slide55.xml><?xml version="1.0" encoding="utf-8"?>
+<p:sld xmlns:a="http://schemas.openxmlformats.org/drawingml/2006/main" xmlns:r="http://schemas.openxmlformats.org/officeDocument/2006/relationships" xmlns:p="http://schemas.openxmlformats.org/presentationml/2006/main">
+  <p:cSld>
+    <p:spTree>
+      <p:nvGrpSpPr>
+        <p:cNvPr id="1" name=""/>
+        <p:cNvGrpSpPr/>
+        <p:nvPr/>
+      </p:nvGrpSpPr>
+      <p:grpSpPr>
+        <a:xfrm>
+          <a:off x="0" y="0"/>
+          <a:ext cx="0" cy="0"/>
+          <a:chOff x="0" y="0"/>
+          <a:chExt cx="0" cy="0"/>
+        </a:xfrm>
+      </p:grpSpPr>
+      <p:sp>
+        <p:nvSpPr>
+          <p:cNvPr id="2" name="Title 1">
+            <a:extLst>
+              <a:ext uri="{FF2B5EF4-FFF2-40B4-BE49-F238E27FC236}">
+                <a16:creationId xmlns:a16="http://schemas.microsoft.com/office/drawing/2014/main" id="{8B6C626D-E2D5-9A19-F3A2-BEA0991E5D35}"/>
+              </a:ext>
+            </a:extLst>
+          </p:cNvPr>
+          <p:cNvSpPr>
+            <a:spLocks noGrp="1"/>
+          </p:cNvSpPr>
+          <p:nvPr>
+            <p:ph type="title"/>
+          </p:nvPr>
+        </p:nvSpPr>
+        <p:spPr>
+          <a:xfrm>
+            <a:off x="913795" y="609600"/>
+            <a:ext cx="10353762" cy="743712"/>
+          </a:xfrm>
+        </p:spPr>
+        <p:txBody>
+          <a:bodyPr>
+            <a:normAutofit/>
+          </a:bodyPr>
+          <a:lstStyle/>
+          <a:p>
+            <a:pPr algn="l"/>
+            <a:r>
+              <a:rPr lang="en-US" sz="3600" dirty="0"/>
+              <a:t>Common Built-in Decorators in Python:</a:t>
+            </a:r>
+            <a:endParaRPr lang="en-IN" sz="3600" dirty="0"/>
+          </a:p>
+        </p:txBody>
+      </p:sp>
+      <p:sp>
+        <p:nvSpPr>
+          <p:cNvPr id="3" name="Content Placeholder 2">
+            <a:extLst>
+              <a:ext uri="{FF2B5EF4-FFF2-40B4-BE49-F238E27FC236}">
+                <a16:creationId xmlns:a16="http://schemas.microsoft.com/office/drawing/2014/main" id="{F2538681-BF48-7A9E-78BA-144FA1D61754}"/>
+              </a:ext>
+            </a:extLst>
+          </p:cNvPr>
+          <p:cNvSpPr>
+            <a:spLocks noGrp="1"/>
+          </p:cNvSpPr>
+          <p:nvPr>
+            <p:ph idx="1"/>
+          </p:nvPr>
+        </p:nvSpPr>
+        <p:spPr>
+          <a:xfrm>
+            <a:off x="913795" y="1353313"/>
+            <a:ext cx="10353762" cy="4437888"/>
+          </a:xfrm>
+        </p:spPr>
+        <p:txBody>
+          <a:bodyPr>
+            <a:normAutofit/>
+          </a:bodyPr>
+          <a:lstStyle/>
+          <a:p>
+            <a:pPr marL="36900" indent="0" algn="just">
+              <a:buNone/>
+            </a:pPr>
+            <a:r>
+              <a:rPr lang="en-US" sz="1800" dirty="0">
+                <a:effectLst/>
+              </a:rPr>
+              <a:t>Python provides several </a:t>
+            </a:r>
+            <a:r>
+              <a:rPr lang="en-US" sz="1800" u="sng" dirty="0">
+                <a:effectLst/>
+                <a:hlinkClick r:id="rId2"/>
+              </a:rPr>
+              <a:t>built-in decorators</a:t>
+            </a:r>
+            <a:r>
+              <a:rPr lang="en-US" sz="1800" dirty="0">
+                <a:effectLst/>
+              </a:rPr>
+              <a:t> that are commonly used in class definitions. These decorators modify the behavior of methods and attributes in a class, making it easier to manage and use them effectively. </a:t>
+            </a:r>
+          </a:p>
+          <a:p>
+            <a:pPr marL="36900" indent="0" algn="just">
+              <a:buNone/>
+            </a:pPr>
+            <a:r>
+              <a:rPr lang="en-US" sz="2400" b="1" dirty="0"/>
+              <a:t>@staticmethod</a:t>
+            </a:r>
+          </a:p>
+          <a:p>
+            <a:pPr marL="36900" indent="0" algn="just">
+              <a:buNone/>
+            </a:pPr>
+            <a:r>
+              <a:rPr lang="en-US" sz="1800" dirty="0"/>
+              <a:t>The @staticmethod decorator is used to define a method that doesn't operate on an instance of the class (i.e., it doesn't use self). Static methods are called on the class itself, not on an instance of the class.</a:t>
+            </a:r>
+            <a:endParaRPr lang="en-IN" sz="1800" dirty="0"/>
+          </a:p>
+        </p:txBody>
+      </p:sp>
+      <p:pic>
+        <p:nvPicPr>
+          <p:cNvPr id="6" name="Picture 5">
+            <a:extLst>
+              <a:ext uri="{FF2B5EF4-FFF2-40B4-BE49-F238E27FC236}">
+                <a16:creationId xmlns:a16="http://schemas.microsoft.com/office/drawing/2014/main" id="{5FA3896A-0C80-38BF-43A9-D7EC4ED35F28}"/>
+              </a:ext>
+            </a:extLst>
+          </p:cNvPr>
+          <p:cNvPicPr>
+            <a:picLocks noChangeAspect="1"/>
+          </p:cNvPicPr>
+          <p:nvPr/>
+        </p:nvPicPr>
+        <p:blipFill>
+          <a:blip r:embed="rId3"/>
+          <a:stretch>
+            <a:fillRect/>
+          </a:stretch>
+        </p:blipFill>
+        <p:spPr>
+          <a:xfrm>
+            <a:off x="1350980" y="3717836"/>
+            <a:ext cx="3897676" cy="2448267"/>
+          </a:xfrm>
+          <a:prstGeom prst="rect">
+            <a:avLst/>
+          </a:prstGeom>
+        </p:spPr>
+      </p:pic>
+    </p:spTree>
+    <p:extLst>
+      <p:ext uri="{BB962C8B-B14F-4D97-AF65-F5344CB8AC3E}">
+        <p14:creationId xmlns:p14="http://schemas.microsoft.com/office/powerpoint/2010/main" val="4178968804"/>
+      </p:ext>
+    </p:extLst>
+  </p:cSld>
+  <p:clrMapOvr>
+    <a:masterClrMapping/>
+  </p:clrMapOvr>
+</p:sld>
+</file>
+
+<file path=ppt/slides/slide56.xml><?xml version="1.0" encoding="utf-8"?>
+<p:sld xmlns:a="http://schemas.openxmlformats.org/drawingml/2006/main" xmlns:r="http://schemas.openxmlformats.org/officeDocument/2006/relationships" xmlns:p="http://schemas.openxmlformats.org/presentationml/2006/main">
+  <p:cSld>
+    <p:spTree>
+      <p:nvGrpSpPr>
+        <p:cNvPr id="1" name=""/>
+        <p:cNvGrpSpPr/>
+        <p:nvPr/>
+      </p:nvGrpSpPr>
+      <p:grpSpPr>
+        <a:xfrm>
+          <a:off x="0" y="0"/>
+          <a:ext cx="0" cy="0"/>
+          <a:chOff x="0" y="0"/>
+          <a:chExt cx="0" cy="0"/>
+        </a:xfrm>
+      </p:grpSpPr>
+      <p:sp>
+        <p:nvSpPr>
+          <p:cNvPr id="3" name="Content Placeholder 2">
+            <a:extLst>
+              <a:ext uri="{FF2B5EF4-FFF2-40B4-BE49-F238E27FC236}">
+                <a16:creationId xmlns:a16="http://schemas.microsoft.com/office/drawing/2014/main" id="{56677138-7035-B990-7C29-72F51C95B244}"/>
+              </a:ext>
+            </a:extLst>
+          </p:cNvPr>
+          <p:cNvSpPr>
+            <a:spLocks noGrp="1"/>
+          </p:cNvSpPr>
+          <p:nvPr>
+            <p:ph idx="1"/>
+          </p:nvPr>
+        </p:nvSpPr>
+        <p:spPr>
+          <a:xfrm>
+            <a:off x="913795" y="621793"/>
+            <a:ext cx="10516205" cy="5169408"/>
+          </a:xfrm>
+        </p:spPr>
+        <p:txBody>
+          <a:bodyPr/>
+          <a:lstStyle/>
+          <a:p>
+            <a:pPr marL="36900" indent="0" fontAlgn="base">
+              <a:buNone/>
+            </a:pPr>
+            <a:r>
+              <a:rPr lang="en-US" sz="2400" b="1" dirty="0">
+                <a:effectLst/>
+              </a:rPr>
+              <a:t>@classmethod</a:t>
+            </a:r>
+          </a:p>
+          <a:p>
+            <a:pPr marL="36900" indent="0" fontAlgn="base">
+              <a:buNone/>
+            </a:pPr>
+            <a:r>
+              <a:rPr lang="en-US" sz="1800" dirty="0">
+                <a:effectLst/>
+              </a:rPr>
+              <a:t>The </a:t>
+            </a:r>
+            <a:r>
+              <a:rPr lang="en-US" sz="1800" u="sng" dirty="0">
+                <a:effectLst/>
+                <a:hlinkClick r:id="rId2"/>
+              </a:rPr>
+              <a:t>@classmethod</a:t>
+            </a:r>
+            <a:r>
+              <a:rPr lang="en-US" sz="1800" dirty="0">
+                <a:effectLst/>
+              </a:rPr>
+              <a:t> decorator is used to define a method that operates on the class itself. Class methods can access and modify class state that applies across all instances of the class.</a:t>
+            </a:r>
+          </a:p>
+          <a:p>
+            <a:pPr marL="36900" indent="0" fontAlgn="base">
+              <a:buNone/>
+            </a:pPr>
+            <a:endParaRPr lang="en-US" sz="1800" dirty="0">
+              <a:effectLst/>
+            </a:endParaRPr>
+          </a:p>
+          <a:p>
+            <a:pPr marL="36900" indent="0">
+              <a:buNone/>
+            </a:pPr>
+            <a:endParaRPr lang="en-IN" dirty="0"/>
+          </a:p>
+        </p:txBody>
+      </p:sp>
+      <p:pic>
+        <p:nvPicPr>
+          <p:cNvPr id="7" name="Picture 6">
+            <a:extLst>
+              <a:ext uri="{FF2B5EF4-FFF2-40B4-BE49-F238E27FC236}">
+                <a16:creationId xmlns:a16="http://schemas.microsoft.com/office/drawing/2014/main" id="{A1E4BB22-1B90-01E9-5014-3154EE2C0468}"/>
+              </a:ext>
+            </a:extLst>
+          </p:cNvPr>
+          <p:cNvPicPr>
+            <a:picLocks noChangeAspect="1"/>
+          </p:cNvPicPr>
+          <p:nvPr/>
+        </p:nvPicPr>
+        <p:blipFill>
+          <a:blip r:embed="rId3"/>
+          <a:stretch>
+            <a:fillRect/>
+          </a:stretch>
+        </p:blipFill>
+        <p:spPr>
+          <a:xfrm>
+            <a:off x="1147869" y="1848870"/>
+            <a:ext cx="3934374" cy="3814315"/>
+          </a:xfrm>
+          <a:prstGeom prst="rect">
+            <a:avLst/>
+          </a:prstGeom>
+        </p:spPr>
+      </p:pic>
+    </p:spTree>
+    <p:extLst>
+      <p:ext uri="{BB962C8B-B14F-4D97-AF65-F5344CB8AC3E}">
+        <p14:creationId xmlns:p14="http://schemas.microsoft.com/office/powerpoint/2010/main" val="1799331079"/>
+      </p:ext>
+    </p:extLst>
+  </p:cSld>
+  <p:clrMapOvr>
+    <a:masterClrMapping/>
+  </p:clrMapOvr>
+</p:sld>
+</file>
+
+<file path=ppt/slides/slide57.xml><?xml version="1.0" encoding="utf-8"?>
+<p:sld xmlns:a="http://schemas.openxmlformats.org/drawingml/2006/main" xmlns:r="http://schemas.openxmlformats.org/officeDocument/2006/relationships" xmlns:p="http://schemas.openxmlformats.org/presentationml/2006/main">
+  <p:cSld>
+    <p:spTree>
+      <p:nvGrpSpPr>
+        <p:cNvPr id="1" name=""/>
+        <p:cNvGrpSpPr/>
+        <p:nvPr/>
+      </p:nvGrpSpPr>
+      <p:grpSpPr>
+        <a:xfrm>
+          <a:off x="0" y="0"/>
+          <a:ext cx="0" cy="0"/>
+          <a:chOff x="0" y="0"/>
+          <a:chExt cx="0" cy="0"/>
+        </a:xfrm>
+      </p:grpSpPr>
+      <p:sp>
+        <p:nvSpPr>
+          <p:cNvPr id="3" name="Content Placeholder 2">
+            <a:extLst>
+              <a:ext uri="{FF2B5EF4-FFF2-40B4-BE49-F238E27FC236}">
+                <a16:creationId xmlns:a16="http://schemas.microsoft.com/office/drawing/2014/main" id="{1FF0BF70-9E9F-B5AD-7156-C3417BF6BCC0}"/>
+              </a:ext>
+            </a:extLst>
+          </p:cNvPr>
+          <p:cNvSpPr>
+            <a:spLocks noGrp="1"/>
+          </p:cNvSpPr>
+          <p:nvPr>
+            <p:ph idx="1"/>
+          </p:nvPr>
+        </p:nvSpPr>
+        <p:spPr>
+          <a:xfrm>
+            <a:off x="913795" y="768097"/>
+            <a:ext cx="10353762" cy="5023104"/>
+          </a:xfrm>
+        </p:spPr>
+        <p:txBody>
+          <a:bodyPr/>
+          <a:lstStyle/>
+          <a:p>
+            <a:pPr marL="36900" indent="0" fontAlgn="base">
+              <a:buNone/>
+            </a:pPr>
+            <a:r>
+              <a:rPr lang="en-US" sz="2400" b="1" dirty="0">
+                <a:effectLst/>
+              </a:rPr>
+              <a:t>@property</a:t>
+            </a:r>
+          </a:p>
+          <a:p>
+            <a:pPr marL="36900" indent="0" fontAlgn="base">
+              <a:buNone/>
+            </a:pPr>
+            <a:r>
+              <a:rPr lang="en-US" dirty="0">
+                <a:effectLst/>
+              </a:rPr>
+              <a:t>The </a:t>
+            </a:r>
+            <a:r>
+              <a:rPr lang="en-US" u="sng" dirty="0">
+                <a:effectLst/>
+                <a:hlinkClick r:id="rId2"/>
+              </a:rPr>
+              <a:t>@property decorator</a:t>
+            </a:r>
+            <a:r>
+              <a:rPr lang="en-US" dirty="0">
+                <a:effectLst/>
+              </a:rPr>
+              <a:t> is used to define a method as a property, which allows you to access it like an attribute. This is useful for encapsulating the implementation of a method while still providing a simple interface.</a:t>
+            </a:r>
+          </a:p>
+          <a:p>
+            <a:pPr marL="36900" indent="0" fontAlgn="base">
+              <a:buNone/>
+            </a:pPr>
+            <a:endParaRPr lang="en-US" dirty="0">
+              <a:effectLst/>
+            </a:endParaRPr>
+          </a:p>
+          <a:p>
+            <a:pPr marL="36900" indent="0" fontAlgn="base">
+              <a:buNone/>
+            </a:pPr>
+            <a:endParaRPr lang="en-US" dirty="0">
+              <a:effectLst/>
+            </a:endParaRPr>
+          </a:p>
+          <a:p>
+            <a:pPr marL="36900" indent="0">
+              <a:buNone/>
+            </a:pPr>
+            <a:endParaRPr lang="en-IN" dirty="0"/>
+          </a:p>
+        </p:txBody>
+      </p:sp>
+      <p:pic>
+        <p:nvPicPr>
+          <p:cNvPr id="7" name="Picture 6">
+            <a:extLst>
+              <a:ext uri="{FF2B5EF4-FFF2-40B4-BE49-F238E27FC236}">
+                <a16:creationId xmlns:a16="http://schemas.microsoft.com/office/drawing/2014/main" id="{56B78DF3-EC03-9711-422E-329189879B9F}"/>
+              </a:ext>
+            </a:extLst>
+          </p:cNvPr>
+          <p:cNvPicPr>
+            <a:picLocks noChangeAspect="1"/>
+          </p:cNvPicPr>
+          <p:nvPr/>
+        </p:nvPicPr>
+        <p:blipFill>
+          <a:blip r:embed="rId3"/>
+          <a:stretch>
+            <a:fillRect/>
+          </a:stretch>
+        </p:blipFill>
+        <p:spPr>
+          <a:xfrm>
+            <a:off x="4269393" y="2026548"/>
+            <a:ext cx="3942621" cy="4831452"/>
+          </a:xfrm>
+          <a:prstGeom prst="rect">
+            <a:avLst/>
+          </a:prstGeom>
+        </p:spPr>
+      </p:pic>
+    </p:spTree>
+    <p:extLst>
+      <p:ext uri="{BB962C8B-B14F-4D97-AF65-F5344CB8AC3E}">
+        <p14:creationId xmlns:p14="http://schemas.microsoft.com/office/powerpoint/2010/main" val="2108118896"/>
+      </p:ext>
+    </p:extLst>
+  </p:cSld>
+  <p:clrMapOvr>
+    <a:masterClrMapping/>
+  </p:clrMapOvr>
+</p:sld>
+</file>
+
+<file path=ppt/slides/slide58.xml><?xml version="1.0" encoding="utf-8"?>
+<p:sld xmlns:a="http://schemas.openxmlformats.org/drawingml/2006/main" xmlns:r="http://schemas.openxmlformats.org/officeDocument/2006/relationships" xmlns:p="http://schemas.openxmlformats.org/presentationml/2006/main">
+  <p:cSld>
+    <p:spTree>
+      <p:nvGrpSpPr>
+        <p:cNvPr id="1" name=""/>
+        <p:cNvGrpSpPr/>
+        <p:nvPr/>
+      </p:nvGrpSpPr>
+      <p:grpSpPr>
+        <a:xfrm>
+          <a:off x="0" y="0"/>
+          <a:ext cx="0" cy="0"/>
+          <a:chOff x="0" y="0"/>
+          <a:chExt cx="0" cy="0"/>
+        </a:xfrm>
+      </p:grpSpPr>
+      <p:sp>
+        <p:nvSpPr>
+          <p:cNvPr id="2" name="Title 1">
+            <a:extLst>
+              <a:ext uri="{FF2B5EF4-FFF2-40B4-BE49-F238E27FC236}">
+                <a16:creationId xmlns:a16="http://schemas.microsoft.com/office/drawing/2014/main" id="{5A2AB774-E293-E1FF-A466-9631250AE549}"/>
+              </a:ext>
+            </a:extLst>
+          </p:cNvPr>
+          <p:cNvSpPr>
+            <a:spLocks noGrp="1"/>
+          </p:cNvSpPr>
+          <p:nvPr>
+            <p:ph type="title"/>
+          </p:nvPr>
+        </p:nvSpPr>
+        <p:spPr>
+          <a:xfrm>
+            <a:off x="913795" y="609600"/>
+            <a:ext cx="10353762" cy="652272"/>
+          </a:xfrm>
+        </p:spPr>
+        <p:txBody>
+          <a:bodyPr>
+            <a:normAutofit fontScale="90000"/>
+          </a:bodyPr>
+          <a:lstStyle/>
+          <a:p>
+            <a:pPr algn="l"/>
+            <a:r>
+              <a:rPr lang="en-IN" b="1" dirty="0"/>
+              <a:t>Chaining Decorators</a:t>
+            </a:r>
+          </a:p>
+        </p:txBody>
+      </p:sp>
+      <p:sp>
+        <p:nvSpPr>
+          <p:cNvPr id="3" name="Content Placeholder 2">
+            <a:extLst>
+              <a:ext uri="{FF2B5EF4-FFF2-40B4-BE49-F238E27FC236}">
+                <a16:creationId xmlns:a16="http://schemas.microsoft.com/office/drawing/2014/main" id="{4BED25FB-F35D-D9D1-19CD-192ABACCFDAD}"/>
+              </a:ext>
+            </a:extLst>
+          </p:cNvPr>
+          <p:cNvSpPr>
+            <a:spLocks noGrp="1"/>
+          </p:cNvSpPr>
+          <p:nvPr>
+            <p:ph idx="1"/>
+          </p:nvPr>
+        </p:nvSpPr>
+        <p:spPr>
+          <a:xfrm>
+            <a:off x="913793" y="1261873"/>
+            <a:ext cx="10604129" cy="4529328"/>
+          </a:xfrm>
+        </p:spPr>
+        <p:txBody>
+          <a:bodyPr/>
+          <a:lstStyle/>
+          <a:p>
+            <a:pPr marL="36900" indent="0" algn="just">
+              <a:buNone/>
+            </a:pPr>
+            <a:r>
+              <a:rPr lang="en-US" sz="1800" dirty="0">
+                <a:effectLst/>
+              </a:rPr>
+              <a:t>In simpler terms </a:t>
+            </a:r>
+            <a:r>
+              <a:rPr lang="en-US" sz="1800" u="sng" dirty="0">
+                <a:effectLst/>
+                <a:hlinkClick r:id="rId2"/>
+              </a:rPr>
+              <a:t>chaining decorators</a:t>
+            </a:r>
+            <a:r>
+              <a:rPr lang="en-US" sz="1800" dirty="0">
+                <a:effectLst/>
+              </a:rPr>
+              <a:t> means decorating a function with multiple decorators.</a:t>
+            </a:r>
+          </a:p>
+          <a:p>
+            <a:pPr marL="36900" indent="0">
+              <a:buNone/>
+            </a:pPr>
+            <a:endParaRPr lang="en-IN" dirty="0"/>
+          </a:p>
+        </p:txBody>
+      </p:sp>
+      <p:pic>
+        <p:nvPicPr>
+          <p:cNvPr id="7" name="Picture 6">
+            <a:extLst>
+              <a:ext uri="{FF2B5EF4-FFF2-40B4-BE49-F238E27FC236}">
+                <a16:creationId xmlns:a16="http://schemas.microsoft.com/office/drawing/2014/main" id="{5EAAA827-F9E9-23DB-8B0C-3E3776F44C7C}"/>
+              </a:ext>
+            </a:extLst>
+          </p:cNvPr>
+          <p:cNvPicPr>
+            <a:picLocks noChangeAspect="1"/>
+          </p:cNvPicPr>
+          <p:nvPr/>
+        </p:nvPicPr>
+        <p:blipFill>
+          <a:blip r:embed="rId3"/>
+          <a:stretch>
+            <a:fillRect/>
+          </a:stretch>
+        </p:blipFill>
+        <p:spPr>
+          <a:xfrm>
+            <a:off x="1473177" y="1666902"/>
+            <a:ext cx="3177953" cy="5059214"/>
+          </a:xfrm>
+          <a:prstGeom prst="rect">
+            <a:avLst/>
+          </a:prstGeom>
+        </p:spPr>
+      </p:pic>
+    </p:spTree>
+    <p:extLst>
+      <p:ext uri="{BB962C8B-B14F-4D97-AF65-F5344CB8AC3E}">
+        <p14:creationId xmlns:p14="http://schemas.microsoft.com/office/powerpoint/2010/main" val="2538851750"/>
+      </p:ext>
+    </p:extLst>
+  </p:cSld>
+  <p:clrMapOvr>
+    <a:masterClrMapping/>
+  </p:clrMapOvr>
+</p:sld>
+</file>
+
 <file path=ppt/slides/slide6.xml><?xml version="1.0" encoding="utf-8"?>
 <p:sld xmlns:a="http://schemas.openxmlformats.org/drawingml/2006/main" xmlns:r="http://schemas.openxmlformats.org/officeDocument/2006/relationships" xmlns:p="http://schemas.openxmlformats.org/presentationml/2006/main">
   <p:cSld>

--- a/Python.pptx
+++ b/Python.pptx
@@ -5,7 +5,7 @@
     <p:sldMasterId id="2147483720" r:id="rId1"/>
   </p:sldMasterIdLst>
   <p:notesMasterIdLst>
-    <p:notesMasterId r:id="rId60"/>
+    <p:notesMasterId r:id="rId61"/>
   </p:notesMasterIdLst>
   <p:sldIdLst>
     <p:sldId id="256" r:id="rId2"/>
@@ -66,6 +66,7 @@
     <p:sldId id="312" r:id="rId57"/>
     <p:sldId id="313" r:id="rId58"/>
     <p:sldId id="314" r:id="rId59"/>
+    <p:sldId id="315" r:id="rId60"/>
   </p:sldIdLst>
   <p:sldSz cx="12192000" cy="6858000"/>
   <p:notesSz cx="6858000" cy="9144000"/>
@@ -254,7 +255,7 @@
           <a:p>
             <a:fld id="{0DA5721C-CC13-4F06-A4D8-B5B9B3873FDA}" type="datetimeFigureOut">
               <a:rPr lang="en-IN" smtClean="0"/>
-              <a:t>08-07-2025</a:t>
+              <a:t>14-07-2025</a:t>
             </a:fld>
             <a:endParaRPr lang="en-IN"/>
           </a:p>
@@ -791,7 +792,7 @@
           <a:p>
             <a:fld id="{3F6844BE-402D-48E1-9905-ECB9699C5076}" type="datetimeFigureOut">
               <a:rPr lang="en-IN" smtClean="0"/>
-              <a:t>08-07-2025</a:t>
+              <a:t>14-07-2025</a:t>
             </a:fld>
             <a:endParaRPr lang="en-IN"/>
           </a:p>
@@ -1089,7 +1090,7 @@
           <a:p>
             <a:fld id="{3F6844BE-402D-48E1-9905-ECB9699C5076}" type="datetimeFigureOut">
               <a:rPr lang="en-IN" smtClean="0"/>
-              <a:t>08-07-2025</a:t>
+              <a:t>14-07-2025</a:t>
             </a:fld>
             <a:endParaRPr lang="en-IN"/>
           </a:p>
@@ -1281,7 +1282,7 @@
           <a:p>
             <a:fld id="{3F6844BE-402D-48E1-9905-ECB9699C5076}" type="datetimeFigureOut">
               <a:rPr lang="en-IN" smtClean="0"/>
-              <a:t>08-07-2025</a:t>
+              <a:t>14-07-2025</a:t>
             </a:fld>
             <a:endParaRPr lang="en-IN"/>
           </a:p>
@@ -1542,7 +1543,7 @@
           <a:p>
             <a:fld id="{3F6844BE-402D-48E1-9905-ECB9699C5076}" type="datetimeFigureOut">
               <a:rPr lang="en-IN" smtClean="0"/>
-              <a:t>08-07-2025</a:t>
+              <a:t>14-07-2025</a:t>
             </a:fld>
             <a:endParaRPr lang="en-IN"/>
           </a:p>
@@ -1966,7 +1967,7 @@
           <a:p>
             <a:fld id="{3F6844BE-402D-48E1-9905-ECB9699C5076}" type="datetimeFigureOut">
               <a:rPr lang="en-IN" smtClean="0"/>
-              <a:t>08-07-2025</a:t>
+              <a:t>14-07-2025</a:t>
             </a:fld>
             <a:endParaRPr lang="en-IN"/>
           </a:p>
@@ -2503,7 +2504,7 @@
           <a:p>
             <a:fld id="{3F6844BE-402D-48E1-9905-ECB9699C5076}" type="datetimeFigureOut">
               <a:rPr lang="en-IN" smtClean="0"/>
-              <a:t>08-07-2025</a:t>
+              <a:t>14-07-2025</a:t>
             </a:fld>
             <a:endParaRPr lang="en-IN"/>
           </a:p>
@@ -3367,7 +3368,7 @@
           <a:p>
             <a:fld id="{3F6844BE-402D-48E1-9905-ECB9699C5076}" type="datetimeFigureOut">
               <a:rPr lang="en-IN" smtClean="0"/>
-              <a:t>08-07-2025</a:t>
+              <a:t>14-07-2025</a:t>
             </a:fld>
             <a:endParaRPr lang="en-IN"/>
           </a:p>
@@ -3537,7 +3538,7 @@
           <a:p>
             <a:fld id="{3F6844BE-402D-48E1-9905-ECB9699C5076}" type="datetimeFigureOut">
               <a:rPr lang="en-IN" smtClean="0"/>
-              <a:t>08-07-2025</a:t>
+              <a:t>14-07-2025</a:t>
             </a:fld>
             <a:endParaRPr lang="en-IN"/>
           </a:p>
@@ -3721,7 +3722,7 @@
           <a:p>
             <a:fld id="{3F6844BE-402D-48E1-9905-ECB9699C5076}" type="datetimeFigureOut">
               <a:rPr lang="en-IN" smtClean="0"/>
-              <a:t>08-07-2025</a:t>
+              <a:t>14-07-2025</a:t>
             </a:fld>
             <a:endParaRPr lang="en-IN"/>
           </a:p>
@@ -3891,7 +3892,7 @@
           <a:p>
             <a:fld id="{3F6844BE-402D-48E1-9905-ECB9699C5076}" type="datetimeFigureOut">
               <a:rPr lang="en-IN" smtClean="0"/>
-              <a:t>08-07-2025</a:t>
+              <a:t>14-07-2025</a:t>
             </a:fld>
             <a:endParaRPr lang="en-IN"/>
           </a:p>
@@ -4135,7 +4136,7 @@
           <a:p>
             <a:fld id="{3F6844BE-402D-48E1-9905-ECB9699C5076}" type="datetimeFigureOut">
               <a:rPr lang="en-IN" smtClean="0"/>
-              <a:t>08-07-2025</a:t>
+              <a:t>14-07-2025</a:t>
             </a:fld>
             <a:endParaRPr lang="en-IN"/>
           </a:p>
@@ -4371,7 +4372,7 @@
           <a:p>
             <a:fld id="{3F6844BE-402D-48E1-9905-ECB9699C5076}" type="datetimeFigureOut">
               <a:rPr lang="en-IN" smtClean="0"/>
-              <a:t>08-07-2025</a:t>
+              <a:t>14-07-2025</a:t>
             </a:fld>
             <a:endParaRPr lang="en-IN"/>
           </a:p>
@@ -4837,7 +4838,7 @@
           <a:p>
             <a:fld id="{3F6844BE-402D-48E1-9905-ECB9699C5076}" type="datetimeFigureOut">
               <a:rPr lang="en-IN" smtClean="0"/>
-              <a:t>08-07-2025</a:t>
+              <a:t>14-07-2025</a:t>
             </a:fld>
             <a:endParaRPr lang="en-IN"/>
           </a:p>
@@ -4955,7 +4956,7 @@
           <a:p>
             <a:fld id="{3F6844BE-402D-48E1-9905-ECB9699C5076}" type="datetimeFigureOut">
               <a:rPr lang="en-IN" smtClean="0"/>
-              <a:t>08-07-2025</a:t>
+              <a:t>14-07-2025</a:t>
             </a:fld>
             <a:endParaRPr lang="en-IN"/>
           </a:p>
@@ -5050,7 +5051,7 @@
           <a:p>
             <a:fld id="{3F6844BE-402D-48E1-9905-ECB9699C5076}" type="datetimeFigureOut">
               <a:rPr lang="en-IN" smtClean="0"/>
-              <a:t>08-07-2025</a:t>
+              <a:t>14-07-2025</a:t>
             </a:fld>
             <a:endParaRPr lang="en-IN"/>
           </a:p>
@@ -5305,7 +5306,7 @@
           <a:p>
             <a:fld id="{3F6844BE-402D-48E1-9905-ECB9699C5076}" type="datetimeFigureOut">
               <a:rPr lang="en-IN" smtClean="0"/>
-              <a:t>08-07-2025</a:t>
+              <a:t>14-07-2025</a:t>
             </a:fld>
             <a:endParaRPr lang="en-IN"/>
           </a:p>
@@ -5605,7 +5606,7 @@
           <a:p>
             <a:fld id="{3F6844BE-402D-48E1-9905-ECB9699C5076}" type="datetimeFigureOut">
               <a:rPr lang="en-IN" smtClean="0"/>
-              <a:t>08-07-2025</a:t>
+              <a:t>14-07-2025</a:t>
             </a:fld>
             <a:endParaRPr lang="en-IN"/>
           </a:p>
@@ -5839,7 +5840,7 @@
           <a:p>
             <a:fld id="{3F6844BE-402D-48E1-9905-ECB9699C5076}" type="datetimeFigureOut">
               <a:rPr lang="en-IN" smtClean="0"/>
-              <a:t>08-07-2025</a:t>
+              <a:t>14-07-2025</a:t>
             </a:fld>
             <a:endParaRPr lang="en-IN"/>
           </a:p>
@@ -17330,7 +17331,7 @@
         <p:spPr>
           <a:xfrm>
             <a:off x="4269393" y="2026548"/>
-            <a:ext cx="3942621" cy="4831452"/>
+            <a:ext cx="3842641" cy="4713886"/>
           </a:xfrm>
           <a:prstGeom prst="rect">
             <a:avLst/>
@@ -17482,8 +17483,8 @@
         </p:blipFill>
         <p:spPr>
           <a:xfrm>
-            <a:off x="1473177" y="1666902"/>
-            <a:ext cx="3177953" cy="5059214"/>
+            <a:off x="1473177" y="1750423"/>
+            <a:ext cx="3177953" cy="4937760"/>
           </a:xfrm>
           <a:prstGeom prst="rect">
             <a:avLst/>
@@ -17494,6 +17495,72 @@
     <p:extLst>
       <p:ext uri="{BB962C8B-B14F-4D97-AF65-F5344CB8AC3E}">
         <p14:creationId xmlns:p14="http://schemas.microsoft.com/office/powerpoint/2010/main" val="2538851750"/>
+      </p:ext>
+    </p:extLst>
+  </p:cSld>
+  <p:clrMapOvr>
+    <a:masterClrMapping/>
+  </p:clrMapOvr>
+</p:sld>
+</file>
+
+<file path=ppt/slides/slide59.xml><?xml version="1.0" encoding="utf-8"?>
+<p:sld xmlns:a="http://schemas.openxmlformats.org/drawingml/2006/main" xmlns:r="http://schemas.openxmlformats.org/officeDocument/2006/relationships" xmlns:p="http://schemas.openxmlformats.org/presentationml/2006/main">
+  <p:cSld>
+    <p:spTree>
+      <p:nvGrpSpPr>
+        <p:cNvPr id="1" name=""/>
+        <p:cNvGrpSpPr/>
+        <p:nvPr/>
+      </p:nvGrpSpPr>
+      <p:grpSpPr>
+        <a:xfrm>
+          <a:off x="0" y="0"/>
+          <a:ext cx="0" cy="0"/>
+          <a:chOff x="0" y="0"/>
+          <a:chExt cx="0" cy="0"/>
+        </a:xfrm>
+      </p:grpSpPr>
+      <p:sp>
+        <p:nvSpPr>
+          <p:cNvPr id="2" name="Title 1">
+            <a:extLst>
+              <a:ext uri="{FF2B5EF4-FFF2-40B4-BE49-F238E27FC236}">
+                <a16:creationId xmlns:a16="http://schemas.microsoft.com/office/drawing/2014/main" id="{31965E51-0025-BF5E-AF62-F98388F8C6D8}"/>
+              </a:ext>
+            </a:extLst>
+          </p:cNvPr>
+          <p:cNvSpPr>
+            <a:spLocks noGrp="1"/>
+          </p:cNvSpPr>
+          <p:nvPr>
+            <p:ph type="title"/>
+          </p:nvPr>
+        </p:nvSpPr>
+        <p:spPr>
+          <a:xfrm>
+            <a:off x="919119" y="2860765"/>
+            <a:ext cx="10353762" cy="1136469"/>
+          </a:xfrm>
+        </p:spPr>
+        <p:txBody>
+          <a:bodyPr>
+            <a:noAutofit/>
+          </a:bodyPr>
+          <a:lstStyle/>
+          <a:p>
+            <a:r>
+              <a:rPr lang="en-US" sz="8800" b="1" dirty="0"/>
+              <a:t>Thank You</a:t>
+            </a:r>
+            <a:endParaRPr lang="en-IN" sz="8800" b="1" dirty="0"/>
+          </a:p>
+        </p:txBody>
+      </p:sp>
+    </p:spTree>
+    <p:extLst>
+      <p:ext uri="{BB962C8B-B14F-4D97-AF65-F5344CB8AC3E}">
+        <p14:creationId xmlns:p14="http://schemas.microsoft.com/office/powerpoint/2010/main" val="1937126236"/>
       </p:ext>
     </p:extLst>
   </p:cSld>
